--- a/MIC.pptx
+++ b/MIC.pptx
@@ -5,7 +5,7 @@
     <p:sldMasterId id="2147483685" r:id="rId1"/>
   </p:sldMasterIdLst>
   <p:notesMasterIdLst>
-    <p:notesMasterId r:id="rId17"/>
+    <p:notesMasterId r:id="rId20"/>
   </p:notesMasterIdLst>
   <p:sldIdLst>
     <p:sldId id="256" r:id="rId2"/>
@@ -22,22 +22,25 @@
     <p:sldId id="317" r:id="rId13"/>
     <p:sldId id="318" r:id="rId14"/>
     <p:sldId id="319" r:id="rId15"/>
-    <p:sldId id="269" r:id="rId16"/>
+    <p:sldId id="320" r:id="rId16"/>
+    <p:sldId id="321" r:id="rId17"/>
+    <p:sldId id="322" r:id="rId18"/>
+    <p:sldId id="269" r:id="rId19"/>
   </p:sldIdLst>
   <p:sldSz cx="9144000" cy="5143500" type="screen16x9"/>
   <p:notesSz cx="6858000" cy="9144000"/>
   <p:embeddedFontLst>
     <p:embeddedFont>
       <p:font typeface="Play" panose="020B0604020202020204" charset="0"/>
-      <p:regular r:id="rId18"/>
-      <p:bold r:id="rId19"/>
+      <p:regular r:id="rId21"/>
+      <p:bold r:id="rId22"/>
     </p:embeddedFont>
     <p:embeddedFont>
       <p:font typeface="Source Sans Pro" panose="020B0503030403020204" pitchFamily="34" charset="0"/>
-      <p:regular r:id="rId20"/>
-      <p:bold r:id="rId21"/>
-      <p:italic r:id="rId22"/>
-      <p:boldItalic r:id="rId23"/>
+      <p:regular r:id="rId23"/>
+      <p:bold r:id="rId24"/>
+      <p:italic r:id="rId25"/>
+      <p:boldItalic r:id="rId26"/>
     </p:embeddedFont>
   </p:embeddedFontLst>
   <p:defaultTextStyle>
@@ -275,6 +278,11 @@
         <p15:guide id="1" pos="5311">
           <p15:clr>
             <a:srgbClr val="EA4335"/>
+          </p15:clr>
+        </p15:guide>
+        <p15:guide id="2" orient="horz" pos="1620">
+          <p15:clr>
+            <a:srgbClr val="A4A3A4"/>
           </p15:clr>
         </p15:guide>
       </p15:sldGuideLst>
@@ -1369,6 +1377,333 @@
 </file>
 
 <file path=ppt/notesSlides/notesSlide15.xml><?xml version="1.0" encoding="utf-8"?>
+<p:notes xmlns:a="http://schemas.openxmlformats.org/drawingml/2006/main" xmlns:r="http://schemas.openxmlformats.org/officeDocument/2006/relationships" xmlns:p="http://schemas.openxmlformats.org/presentationml/2006/main" showMasterSp="0" showMasterPhAnim="0">
+  <p:cSld>
+    <p:spTree>
+      <p:nvGrpSpPr>
+        <p:cNvPr id="1" name="Shape 2662"/>
+        <p:cNvGrpSpPr/>
+        <p:nvPr/>
+      </p:nvGrpSpPr>
+      <p:grpSpPr>
+        <a:xfrm>
+          <a:off x="0" y="0"/>
+          <a:ext cx="0" cy="0"/>
+          <a:chOff x="0" y="0"/>
+          <a:chExt cx="0" cy="0"/>
+        </a:xfrm>
+      </p:grpSpPr>
+      <p:sp>
+        <p:nvSpPr>
+          <p:cNvPr id="2663" name="Google Shape;2663;g10b651380e3_0_1908:notes"/>
+          <p:cNvSpPr>
+            <a:spLocks noGrp="1" noRot="1" noChangeAspect="1"/>
+          </p:cNvSpPr>
+          <p:nvPr>
+            <p:ph type="sldImg" idx="2"/>
+          </p:nvPr>
+        </p:nvSpPr>
+        <p:spPr>
+          <a:xfrm>
+            <a:off x="381000" y="685800"/>
+            <a:ext cx="6096000" cy="3429000"/>
+          </a:xfrm>
+          <a:custGeom>
+            <a:avLst/>
+            <a:gdLst/>
+            <a:ahLst/>
+            <a:cxnLst/>
+            <a:rect l="l" t="t" r="r" b="b"/>
+            <a:pathLst>
+              <a:path w="120000" h="120000" extrusionOk="0">
+                <a:moveTo>
+                  <a:pt x="0" y="0"/>
+                </a:moveTo>
+                <a:lnTo>
+                  <a:pt x="120000" y="0"/>
+                </a:lnTo>
+                <a:lnTo>
+                  <a:pt x="120000" y="120000"/>
+                </a:lnTo>
+                <a:lnTo>
+                  <a:pt x="0" y="120000"/>
+                </a:lnTo>
+                <a:close/>
+              </a:path>
+            </a:pathLst>
+          </a:custGeom>
+        </p:spPr>
+      </p:sp>
+      <p:sp>
+        <p:nvSpPr>
+          <p:cNvPr id="2664" name="Google Shape;2664;g10b651380e3_0_1908:notes"/>
+          <p:cNvSpPr txBox="1">
+            <a:spLocks noGrp="1"/>
+          </p:cNvSpPr>
+          <p:nvPr>
+            <p:ph type="body" idx="1"/>
+          </p:nvPr>
+        </p:nvSpPr>
+        <p:spPr>
+          <a:xfrm>
+            <a:off x="685800" y="4343400"/>
+            <a:ext cx="5486400" cy="4114800"/>
+          </a:xfrm>
+          <a:prstGeom prst="rect">
+            <a:avLst/>
+          </a:prstGeom>
+        </p:spPr>
+        <p:txBody>
+          <a:bodyPr spcFirstLastPara="1" wrap="square" lIns="91425" tIns="91425" rIns="91425" bIns="91425" anchor="t" anchorCtr="0">
+            <a:noAutofit/>
+          </a:bodyPr>
+          <a:lstStyle/>
+          <a:p>
+            <a:pPr marL="0" lvl="0" indent="0" algn="l" rtl="0">
+              <a:spcBef>
+                <a:spcPts val="0"/>
+              </a:spcBef>
+              <a:spcAft>
+                <a:spcPts val="0"/>
+              </a:spcAft>
+              <a:buNone/>
+            </a:pPr>
+            <a:endParaRPr/>
+          </a:p>
+        </p:txBody>
+      </p:sp>
+    </p:spTree>
+    <p:extLst>
+      <p:ext uri="{BB962C8B-B14F-4D97-AF65-F5344CB8AC3E}">
+        <p14:creationId xmlns:p14="http://schemas.microsoft.com/office/powerpoint/2010/main" val="2289808206"/>
+      </p:ext>
+    </p:extLst>
+  </p:cSld>
+  <p:clrMapOvr>
+    <a:masterClrMapping/>
+  </p:clrMapOvr>
+</p:notes>
+</file>
+
+<file path=ppt/notesSlides/notesSlide16.xml><?xml version="1.0" encoding="utf-8"?>
+<p:notes xmlns:a="http://schemas.openxmlformats.org/drawingml/2006/main" xmlns:r="http://schemas.openxmlformats.org/officeDocument/2006/relationships" xmlns:p="http://schemas.openxmlformats.org/presentationml/2006/main" showMasterSp="0" showMasterPhAnim="0">
+  <p:cSld>
+    <p:spTree>
+      <p:nvGrpSpPr>
+        <p:cNvPr id="1" name="Shape 2662"/>
+        <p:cNvGrpSpPr/>
+        <p:nvPr/>
+      </p:nvGrpSpPr>
+      <p:grpSpPr>
+        <a:xfrm>
+          <a:off x="0" y="0"/>
+          <a:ext cx="0" cy="0"/>
+          <a:chOff x="0" y="0"/>
+          <a:chExt cx="0" cy="0"/>
+        </a:xfrm>
+      </p:grpSpPr>
+      <p:sp>
+        <p:nvSpPr>
+          <p:cNvPr id="2663" name="Google Shape;2663;g10b651380e3_0_1908:notes"/>
+          <p:cNvSpPr>
+            <a:spLocks noGrp="1" noRot="1" noChangeAspect="1"/>
+          </p:cNvSpPr>
+          <p:nvPr>
+            <p:ph type="sldImg" idx="2"/>
+          </p:nvPr>
+        </p:nvSpPr>
+        <p:spPr>
+          <a:xfrm>
+            <a:off x="381000" y="685800"/>
+            <a:ext cx="6096000" cy="3429000"/>
+          </a:xfrm>
+          <a:custGeom>
+            <a:avLst/>
+            <a:gdLst/>
+            <a:ahLst/>
+            <a:cxnLst/>
+            <a:rect l="l" t="t" r="r" b="b"/>
+            <a:pathLst>
+              <a:path w="120000" h="120000" extrusionOk="0">
+                <a:moveTo>
+                  <a:pt x="0" y="0"/>
+                </a:moveTo>
+                <a:lnTo>
+                  <a:pt x="120000" y="0"/>
+                </a:lnTo>
+                <a:lnTo>
+                  <a:pt x="120000" y="120000"/>
+                </a:lnTo>
+                <a:lnTo>
+                  <a:pt x="0" y="120000"/>
+                </a:lnTo>
+                <a:close/>
+              </a:path>
+            </a:pathLst>
+          </a:custGeom>
+        </p:spPr>
+      </p:sp>
+      <p:sp>
+        <p:nvSpPr>
+          <p:cNvPr id="2664" name="Google Shape;2664;g10b651380e3_0_1908:notes"/>
+          <p:cNvSpPr txBox="1">
+            <a:spLocks noGrp="1"/>
+          </p:cNvSpPr>
+          <p:nvPr>
+            <p:ph type="body" idx="1"/>
+          </p:nvPr>
+        </p:nvSpPr>
+        <p:spPr>
+          <a:xfrm>
+            <a:off x="685800" y="4343400"/>
+            <a:ext cx="5486400" cy="4114800"/>
+          </a:xfrm>
+          <a:prstGeom prst="rect">
+            <a:avLst/>
+          </a:prstGeom>
+        </p:spPr>
+        <p:txBody>
+          <a:bodyPr spcFirstLastPara="1" wrap="square" lIns="91425" tIns="91425" rIns="91425" bIns="91425" anchor="t" anchorCtr="0">
+            <a:noAutofit/>
+          </a:bodyPr>
+          <a:lstStyle/>
+          <a:p>
+            <a:pPr marL="0" lvl="0" indent="0" algn="l" rtl="0">
+              <a:spcBef>
+                <a:spcPts val="0"/>
+              </a:spcBef>
+              <a:spcAft>
+                <a:spcPts val="0"/>
+              </a:spcAft>
+              <a:buNone/>
+            </a:pPr>
+            <a:endParaRPr/>
+          </a:p>
+        </p:txBody>
+      </p:sp>
+    </p:spTree>
+    <p:extLst>
+      <p:ext uri="{BB962C8B-B14F-4D97-AF65-F5344CB8AC3E}">
+        <p14:creationId xmlns:p14="http://schemas.microsoft.com/office/powerpoint/2010/main" val="3004498520"/>
+      </p:ext>
+    </p:extLst>
+  </p:cSld>
+  <p:clrMapOvr>
+    <a:masterClrMapping/>
+  </p:clrMapOvr>
+</p:notes>
+</file>
+
+<file path=ppt/notesSlides/notesSlide17.xml><?xml version="1.0" encoding="utf-8"?>
+<p:notes xmlns:a="http://schemas.openxmlformats.org/drawingml/2006/main" xmlns:r="http://schemas.openxmlformats.org/officeDocument/2006/relationships" xmlns:p="http://schemas.openxmlformats.org/presentationml/2006/main" showMasterSp="0" showMasterPhAnim="0">
+  <p:cSld>
+    <p:spTree>
+      <p:nvGrpSpPr>
+        <p:cNvPr id="1" name="Shape 2662"/>
+        <p:cNvGrpSpPr/>
+        <p:nvPr/>
+      </p:nvGrpSpPr>
+      <p:grpSpPr>
+        <a:xfrm>
+          <a:off x="0" y="0"/>
+          <a:ext cx="0" cy="0"/>
+          <a:chOff x="0" y="0"/>
+          <a:chExt cx="0" cy="0"/>
+        </a:xfrm>
+      </p:grpSpPr>
+      <p:sp>
+        <p:nvSpPr>
+          <p:cNvPr id="2663" name="Google Shape;2663;g10b651380e3_0_1908:notes"/>
+          <p:cNvSpPr>
+            <a:spLocks noGrp="1" noRot="1" noChangeAspect="1"/>
+          </p:cNvSpPr>
+          <p:nvPr>
+            <p:ph type="sldImg" idx="2"/>
+          </p:nvPr>
+        </p:nvSpPr>
+        <p:spPr>
+          <a:xfrm>
+            <a:off x="381000" y="685800"/>
+            <a:ext cx="6096000" cy="3429000"/>
+          </a:xfrm>
+          <a:custGeom>
+            <a:avLst/>
+            <a:gdLst/>
+            <a:ahLst/>
+            <a:cxnLst/>
+            <a:rect l="l" t="t" r="r" b="b"/>
+            <a:pathLst>
+              <a:path w="120000" h="120000" extrusionOk="0">
+                <a:moveTo>
+                  <a:pt x="0" y="0"/>
+                </a:moveTo>
+                <a:lnTo>
+                  <a:pt x="120000" y="0"/>
+                </a:lnTo>
+                <a:lnTo>
+                  <a:pt x="120000" y="120000"/>
+                </a:lnTo>
+                <a:lnTo>
+                  <a:pt x="0" y="120000"/>
+                </a:lnTo>
+                <a:close/>
+              </a:path>
+            </a:pathLst>
+          </a:custGeom>
+        </p:spPr>
+      </p:sp>
+      <p:sp>
+        <p:nvSpPr>
+          <p:cNvPr id="2664" name="Google Shape;2664;g10b651380e3_0_1908:notes"/>
+          <p:cNvSpPr txBox="1">
+            <a:spLocks noGrp="1"/>
+          </p:cNvSpPr>
+          <p:nvPr>
+            <p:ph type="body" idx="1"/>
+          </p:nvPr>
+        </p:nvSpPr>
+        <p:spPr>
+          <a:xfrm>
+            <a:off x="685800" y="4343400"/>
+            <a:ext cx="5486400" cy="4114800"/>
+          </a:xfrm>
+          <a:prstGeom prst="rect">
+            <a:avLst/>
+          </a:prstGeom>
+        </p:spPr>
+        <p:txBody>
+          <a:bodyPr spcFirstLastPara="1" wrap="square" lIns="91425" tIns="91425" rIns="91425" bIns="91425" anchor="t" anchorCtr="0">
+            <a:noAutofit/>
+          </a:bodyPr>
+          <a:lstStyle/>
+          <a:p>
+            <a:pPr marL="0" lvl="0" indent="0" algn="l" rtl="0">
+              <a:spcBef>
+                <a:spcPts val="0"/>
+              </a:spcBef>
+              <a:spcAft>
+                <a:spcPts val="0"/>
+              </a:spcAft>
+              <a:buNone/>
+            </a:pPr>
+            <a:endParaRPr/>
+          </a:p>
+        </p:txBody>
+      </p:sp>
+    </p:spTree>
+    <p:extLst>
+      <p:ext uri="{BB962C8B-B14F-4D97-AF65-F5344CB8AC3E}">
+        <p14:creationId xmlns:p14="http://schemas.microsoft.com/office/powerpoint/2010/main" val="4260488797"/>
+      </p:ext>
+    </p:extLst>
+  </p:cSld>
+  <p:clrMapOvr>
+    <a:masterClrMapping/>
+  </p:clrMapOvr>
+</p:notes>
+</file>
+
+<file path=ppt/notesSlides/notesSlide18.xml><?xml version="1.0" encoding="utf-8"?>
 <p:notes xmlns:a="http://schemas.openxmlformats.org/drawingml/2006/main" xmlns:r="http://schemas.openxmlformats.org/officeDocument/2006/relationships" xmlns:p="http://schemas.openxmlformats.org/presentationml/2006/main" showMasterSp="0" showMasterPhAnim="0">
   <p:cSld>
     <p:spTree>
@@ -52407,7 +52742,7 @@
         </p:blipFill>
         <p:spPr>
           <a:xfrm>
-            <a:off x="-3582307" y="1029400"/>
+            <a:off x="1690050" y="1298038"/>
             <a:ext cx="6123457" cy="3775266"/>
           </a:xfrm>
           <a:prstGeom prst="rect">
@@ -52436,7 +52771,7 @@
         </p:blipFill>
         <p:spPr>
           <a:xfrm>
-            <a:off x="7200271" y="583650"/>
+            <a:off x="1600577" y="550563"/>
             <a:ext cx="5231519" cy="4397926"/>
           </a:xfrm>
           <a:prstGeom prst="rect">
@@ -52458,7 +52793,7 @@
         </p:nvSpPr>
         <p:spPr>
           <a:xfrm>
-            <a:off x="1162050" y="1276350"/>
+            <a:off x="6196282" y="1466538"/>
             <a:ext cx="1379100" cy="774025"/>
           </a:xfrm>
           <a:prstGeom prst="roundRect">
@@ -52524,7 +52859,7 @@
         </p:nvSpPr>
         <p:spPr>
           <a:xfrm>
-            <a:off x="9253320" y="-190375"/>
+            <a:off x="3711683" y="8425"/>
             <a:ext cx="1379100" cy="774025"/>
           </a:xfrm>
           <a:prstGeom prst="roundRect">
@@ -52586,6 +52921,368 @@
   <p:clrMapOvr>
     <a:masterClrMapping/>
   </p:clrMapOvr>
+  <p:timing>
+    <p:tnLst>
+      <p:par>
+        <p:cTn id="1" dur="indefinite" restart="never" nodeType="tmRoot">
+          <p:childTnLst>
+            <p:seq concurrent="1" nextAc="seek">
+              <p:cTn id="2" dur="indefinite" nodeType="mainSeq">
+                <p:childTnLst>
+                  <p:par>
+                    <p:cTn id="3" fill="hold">
+                      <p:stCondLst>
+                        <p:cond delay="indefinite"/>
+                      </p:stCondLst>
+                      <p:childTnLst>
+                        <p:par>
+                          <p:cTn id="4" fill="hold">
+                            <p:stCondLst>
+                              <p:cond delay="0"/>
+                            </p:stCondLst>
+                            <p:childTnLst>
+                              <p:par>
+                                <p:cTn id="5" presetID="2" presetClass="exit" presetSubtype="4" fill="hold" nodeType="clickEffect">
+                                  <p:stCondLst>
+                                    <p:cond delay="0"/>
+                                  </p:stCondLst>
+                                  <p:childTnLst>
+                                    <p:anim calcmode="lin" valueType="num">
+                                      <p:cBhvr additive="base">
+                                        <p:cTn id="6" dur="500"/>
+                                        <p:tgtEl>
+                                          <p:spTgt spid="2"/>
+                                        </p:tgtEl>
+                                        <p:attrNameLst>
+                                          <p:attrName>ppt_x</p:attrName>
+                                        </p:attrNameLst>
+                                      </p:cBhvr>
+                                      <p:tavLst>
+                                        <p:tav tm="0">
+                                          <p:val>
+                                            <p:strVal val="ppt_x"/>
+                                          </p:val>
+                                        </p:tav>
+                                        <p:tav tm="100000">
+                                          <p:val>
+                                            <p:strVal val="ppt_x"/>
+                                          </p:val>
+                                        </p:tav>
+                                      </p:tavLst>
+                                    </p:anim>
+                                    <p:anim calcmode="lin" valueType="num">
+                                      <p:cBhvr additive="base">
+                                        <p:cTn id="7" dur="500"/>
+                                        <p:tgtEl>
+                                          <p:spTgt spid="2"/>
+                                        </p:tgtEl>
+                                        <p:attrNameLst>
+                                          <p:attrName>ppt_y</p:attrName>
+                                        </p:attrNameLst>
+                                      </p:cBhvr>
+                                      <p:tavLst>
+                                        <p:tav tm="0">
+                                          <p:val>
+                                            <p:strVal val="ppt_y"/>
+                                          </p:val>
+                                        </p:tav>
+                                        <p:tav tm="100000">
+                                          <p:val>
+                                            <p:strVal val="1+ppt_h/2"/>
+                                          </p:val>
+                                        </p:tav>
+                                      </p:tavLst>
+                                    </p:anim>
+                                    <p:set>
+                                      <p:cBhvr>
+                                        <p:cTn id="8" dur="1" fill="hold">
+                                          <p:stCondLst>
+                                            <p:cond delay="499"/>
+                                          </p:stCondLst>
+                                        </p:cTn>
+                                        <p:tgtEl>
+                                          <p:spTgt spid="2"/>
+                                        </p:tgtEl>
+                                        <p:attrNameLst>
+                                          <p:attrName>style.visibility</p:attrName>
+                                        </p:attrNameLst>
+                                      </p:cBhvr>
+                                      <p:to>
+                                        <p:strVal val="hidden"/>
+                                      </p:to>
+                                    </p:set>
+                                  </p:childTnLst>
+                                </p:cTn>
+                              </p:par>
+                              <p:par>
+                                <p:cTn id="9" presetID="2" presetClass="exit" presetSubtype="4" fill="hold" grpId="0" nodeType="withEffect">
+                                  <p:stCondLst>
+                                    <p:cond delay="0"/>
+                                  </p:stCondLst>
+                                  <p:childTnLst>
+                                    <p:anim calcmode="lin" valueType="num">
+                                      <p:cBhvr additive="base">
+                                        <p:cTn id="10" dur="500"/>
+                                        <p:tgtEl>
+                                          <p:spTgt spid="8"/>
+                                        </p:tgtEl>
+                                        <p:attrNameLst>
+                                          <p:attrName>ppt_x</p:attrName>
+                                        </p:attrNameLst>
+                                      </p:cBhvr>
+                                      <p:tavLst>
+                                        <p:tav tm="0">
+                                          <p:val>
+                                            <p:strVal val="ppt_x"/>
+                                          </p:val>
+                                        </p:tav>
+                                        <p:tav tm="100000">
+                                          <p:val>
+                                            <p:strVal val="ppt_x"/>
+                                          </p:val>
+                                        </p:tav>
+                                      </p:tavLst>
+                                    </p:anim>
+                                    <p:anim calcmode="lin" valueType="num">
+                                      <p:cBhvr additive="base">
+                                        <p:cTn id="11" dur="500"/>
+                                        <p:tgtEl>
+                                          <p:spTgt spid="8"/>
+                                        </p:tgtEl>
+                                        <p:attrNameLst>
+                                          <p:attrName>ppt_y</p:attrName>
+                                        </p:attrNameLst>
+                                      </p:cBhvr>
+                                      <p:tavLst>
+                                        <p:tav tm="0">
+                                          <p:val>
+                                            <p:strVal val="ppt_y"/>
+                                          </p:val>
+                                        </p:tav>
+                                        <p:tav tm="100000">
+                                          <p:val>
+                                            <p:strVal val="1+ppt_h/2"/>
+                                          </p:val>
+                                        </p:tav>
+                                      </p:tavLst>
+                                    </p:anim>
+                                    <p:set>
+                                      <p:cBhvr>
+                                        <p:cTn id="12" dur="1" fill="hold">
+                                          <p:stCondLst>
+                                            <p:cond delay="499"/>
+                                          </p:stCondLst>
+                                        </p:cTn>
+                                        <p:tgtEl>
+                                          <p:spTgt spid="8"/>
+                                        </p:tgtEl>
+                                        <p:attrNameLst>
+                                          <p:attrName>style.visibility</p:attrName>
+                                        </p:attrNameLst>
+                                      </p:cBhvr>
+                                      <p:to>
+                                        <p:strVal val="hidden"/>
+                                      </p:to>
+                                    </p:set>
+                                  </p:childTnLst>
+                                </p:cTn>
+                              </p:par>
+                            </p:childTnLst>
+                          </p:cTn>
+                        </p:par>
+                      </p:childTnLst>
+                    </p:cTn>
+                  </p:par>
+                  <p:par>
+                    <p:cTn id="13" fill="hold">
+                      <p:stCondLst>
+                        <p:cond delay="indefinite"/>
+                      </p:stCondLst>
+                      <p:childTnLst>
+                        <p:par>
+                          <p:cTn id="14" fill="hold">
+                            <p:stCondLst>
+                              <p:cond delay="0"/>
+                            </p:stCondLst>
+                            <p:childTnLst>
+                              <p:par>
+                                <p:cTn id="15" presetID="2" presetClass="entr" presetSubtype="4" fill="hold" grpId="0" nodeType="clickEffect">
+                                  <p:stCondLst>
+                                    <p:cond delay="0"/>
+                                  </p:stCondLst>
+                                  <p:childTnLst>
+                                    <p:set>
+                                      <p:cBhvr>
+                                        <p:cTn id="16" dur="1" fill="hold">
+                                          <p:stCondLst>
+                                            <p:cond delay="0"/>
+                                          </p:stCondLst>
+                                        </p:cTn>
+                                        <p:tgtEl>
+                                          <p:spTgt spid="10"/>
+                                        </p:tgtEl>
+                                        <p:attrNameLst>
+                                          <p:attrName>style.visibility</p:attrName>
+                                        </p:attrNameLst>
+                                      </p:cBhvr>
+                                      <p:to>
+                                        <p:strVal val="visible"/>
+                                      </p:to>
+                                    </p:set>
+                                    <p:anim calcmode="lin" valueType="num">
+                                      <p:cBhvr additive="base">
+                                        <p:cTn id="17" dur="500" fill="hold"/>
+                                        <p:tgtEl>
+                                          <p:spTgt spid="10"/>
+                                        </p:tgtEl>
+                                        <p:attrNameLst>
+                                          <p:attrName>ppt_x</p:attrName>
+                                        </p:attrNameLst>
+                                      </p:cBhvr>
+                                      <p:tavLst>
+                                        <p:tav tm="0">
+                                          <p:val>
+                                            <p:strVal val="#ppt_x"/>
+                                          </p:val>
+                                        </p:tav>
+                                        <p:tav tm="100000">
+                                          <p:val>
+                                            <p:strVal val="#ppt_x"/>
+                                          </p:val>
+                                        </p:tav>
+                                      </p:tavLst>
+                                    </p:anim>
+                                    <p:anim calcmode="lin" valueType="num">
+                                      <p:cBhvr additive="base">
+                                        <p:cTn id="18" dur="500" fill="hold"/>
+                                        <p:tgtEl>
+                                          <p:spTgt spid="10"/>
+                                        </p:tgtEl>
+                                        <p:attrNameLst>
+                                          <p:attrName>ppt_y</p:attrName>
+                                        </p:attrNameLst>
+                                      </p:cBhvr>
+                                      <p:tavLst>
+                                        <p:tav tm="0">
+                                          <p:val>
+                                            <p:strVal val="1+#ppt_h/2"/>
+                                          </p:val>
+                                        </p:tav>
+                                        <p:tav tm="100000">
+                                          <p:val>
+                                            <p:strVal val="#ppt_y"/>
+                                          </p:val>
+                                        </p:tav>
+                                      </p:tavLst>
+                                    </p:anim>
+                                  </p:childTnLst>
+                                </p:cTn>
+                              </p:par>
+                              <p:par>
+                                <p:cTn id="19" presetID="2" presetClass="entr" presetSubtype="4" fill="hold" nodeType="withEffect">
+                                  <p:stCondLst>
+                                    <p:cond delay="0"/>
+                                  </p:stCondLst>
+                                  <p:childTnLst>
+                                    <p:set>
+                                      <p:cBhvr>
+                                        <p:cTn id="20" dur="1" fill="hold">
+                                          <p:stCondLst>
+                                            <p:cond delay="0"/>
+                                          </p:stCondLst>
+                                        </p:cTn>
+                                        <p:tgtEl>
+                                          <p:spTgt spid="7"/>
+                                        </p:tgtEl>
+                                        <p:attrNameLst>
+                                          <p:attrName>style.visibility</p:attrName>
+                                        </p:attrNameLst>
+                                      </p:cBhvr>
+                                      <p:to>
+                                        <p:strVal val="visible"/>
+                                      </p:to>
+                                    </p:set>
+                                    <p:anim calcmode="lin" valueType="num">
+                                      <p:cBhvr additive="base">
+                                        <p:cTn id="21" dur="500" fill="hold"/>
+                                        <p:tgtEl>
+                                          <p:spTgt spid="7"/>
+                                        </p:tgtEl>
+                                        <p:attrNameLst>
+                                          <p:attrName>ppt_x</p:attrName>
+                                        </p:attrNameLst>
+                                      </p:cBhvr>
+                                      <p:tavLst>
+                                        <p:tav tm="0">
+                                          <p:val>
+                                            <p:strVal val="#ppt_x"/>
+                                          </p:val>
+                                        </p:tav>
+                                        <p:tav tm="100000">
+                                          <p:val>
+                                            <p:strVal val="#ppt_x"/>
+                                          </p:val>
+                                        </p:tav>
+                                      </p:tavLst>
+                                    </p:anim>
+                                    <p:anim calcmode="lin" valueType="num">
+                                      <p:cBhvr additive="base">
+                                        <p:cTn id="22" dur="500" fill="hold"/>
+                                        <p:tgtEl>
+                                          <p:spTgt spid="7"/>
+                                        </p:tgtEl>
+                                        <p:attrNameLst>
+                                          <p:attrName>ppt_y</p:attrName>
+                                        </p:attrNameLst>
+                                      </p:cBhvr>
+                                      <p:tavLst>
+                                        <p:tav tm="0">
+                                          <p:val>
+                                            <p:strVal val="1+#ppt_h/2"/>
+                                          </p:val>
+                                        </p:tav>
+                                        <p:tav tm="100000">
+                                          <p:val>
+                                            <p:strVal val="#ppt_y"/>
+                                          </p:val>
+                                        </p:tav>
+                                      </p:tavLst>
+                                    </p:anim>
+                                  </p:childTnLst>
+                                </p:cTn>
+                              </p:par>
+                            </p:childTnLst>
+                          </p:cTn>
+                        </p:par>
+                      </p:childTnLst>
+                    </p:cTn>
+                  </p:par>
+                </p:childTnLst>
+              </p:cTn>
+              <p:prevCondLst>
+                <p:cond evt="onPrev" delay="0">
+                  <p:tgtEl>
+                    <p:sldTgt/>
+                  </p:tgtEl>
+                </p:cond>
+              </p:prevCondLst>
+              <p:nextCondLst>
+                <p:cond evt="onNext" delay="0">
+                  <p:tgtEl>
+                    <p:sldTgt/>
+                  </p:tgtEl>
+                </p:cond>
+              </p:nextCondLst>
+            </p:seq>
+          </p:childTnLst>
+        </p:cTn>
+      </p:par>
+    </p:tnLst>
+    <p:bldLst>
+      <p:bldP spid="8" grpId="0" animBg="1"/>
+      <p:bldP spid="10" grpId="0" animBg="1"/>
+    </p:bldLst>
+  </p:timing>
 </p:sld>
 </file>
 
@@ -52944,6 +53641,351 @@
 <file path=ppt/slides/slide15.xml><?xml version="1.0" encoding="utf-8"?>
 <p:sld xmlns:a="http://schemas.openxmlformats.org/drawingml/2006/main" xmlns:r="http://schemas.openxmlformats.org/officeDocument/2006/relationships" xmlns:p="http://schemas.openxmlformats.org/presentationml/2006/main">
   <p:cSld>
+    <p:spTree>
+      <p:nvGrpSpPr>
+        <p:cNvPr id="1" name="Shape 2665"/>
+        <p:cNvGrpSpPr/>
+        <p:nvPr/>
+      </p:nvGrpSpPr>
+      <p:grpSpPr>
+        <a:xfrm>
+          <a:off x="0" y="0"/>
+          <a:ext cx="0" cy="0"/>
+          <a:chOff x="0" y="0"/>
+          <a:chExt cx="0" cy="0"/>
+        </a:xfrm>
+      </p:grpSpPr>
+      <p:sp>
+        <p:nvSpPr>
+          <p:cNvPr id="2678" name="Google Shape;2678;p43"/>
+          <p:cNvSpPr txBox="1">
+            <a:spLocks noGrp="1"/>
+          </p:cNvSpPr>
+          <p:nvPr>
+            <p:ph type="title"/>
+          </p:nvPr>
+        </p:nvSpPr>
+        <p:spPr>
+          <a:xfrm>
+            <a:off x="713225" y="539525"/>
+            <a:ext cx="7717500" cy="478200"/>
+          </a:xfrm>
+          <a:prstGeom prst="rect">
+            <a:avLst/>
+          </a:prstGeom>
+        </p:spPr>
+        <p:txBody>
+          <a:bodyPr spcFirstLastPara="1" wrap="square" lIns="91425" tIns="91425" rIns="91425" bIns="91425" anchor="ctr" anchorCtr="0">
+            <a:noAutofit/>
+          </a:bodyPr>
+          <a:lstStyle/>
+          <a:p>
+            <a:pPr marL="0" lvl="0" indent="0" algn="ctr" rtl="0">
+              <a:spcBef>
+                <a:spcPts val="0"/>
+              </a:spcBef>
+              <a:spcAft>
+                <a:spcPts val="0"/>
+              </a:spcAft>
+              <a:buNone/>
+            </a:pPr>
+            <a:r>
+              <a:rPr lang="en" dirty="0"/>
+              <a:t>Tests</a:t>
+            </a:r>
+            <a:endParaRPr dirty="0"/>
+          </a:p>
+        </p:txBody>
+      </p:sp>
+    </p:spTree>
+    <p:extLst>
+      <p:ext uri="{BB962C8B-B14F-4D97-AF65-F5344CB8AC3E}">
+        <p14:creationId xmlns:p14="http://schemas.microsoft.com/office/powerpoint/2010/main" val="3407520414"/>
+      </p:ext>
+    </p:extLst>
+  </p:cSld>
+  <p:clrMapOvr>
+    <a:masterClrMapping/>
+  </p:clrMapOvr>
+</p:sld>
+</file>
+
+<file path=ppt/slides/slide16.xml><?xml version="1.0" encoding="utf-8"?>
+<p:sld xmlns:a="http://schemas.openxmlformats.org/drawingml/2006/main" xmlns:r="http://schemas.openxmlformats.org/officeDocument/2006/relationships" xmlns:p="http://schemas.openxmlformats.org/presentationml/2006/main">
+  <p:cSld>
+    <p:spTree>
+      <p:nvGrpSpPr>
+        <p:cNvPr id="1" name="Shape 2665"/>
+        <p:cNvGrpSpPr/>
+        <p:nvPr/>
+      </p:nvGrpSpPr>
+      <p:grpSpPr>
+        <a:xfrm>
+          <a:off x="0" y="0"/>
+          <a:ext cx="0" cy="0"/>
+          <a:chOff x="0" y="0"/>
+          <a:chExt cx="0" cy="0"/>
+        </a:xfrm>
+      </p:grpSpPr>
+      <p:sp>
+        <p:nvSpPr>
+          <p:cNvPr id="2678" name="Google Shape;2678;p43"/>
+          <p:cNvSpPr txBox="1">
+            <a:spLocks noGrp="1"/>
+          </p:cNvSpPr>
+          <p:nvPr>
+            <p:ph type="title"/>
+          </p:nvPr>
+        </p:nvSpPr>
+        <p:spPr>
+          <a:xfrm>
+            <a:off x="713225" y="539525"/>
+            <a:ext cx="7717500" cy="478200"/>
+          </a:xfrm>
+          <a:prstGeom prst="rect">
+            <a:avLst/>
+          </a:prstGeom>
+        </p:spPr>
+        <p:txBody>
+          <a:bodyPr spcFirstLastPara="1" wrap="square" lIns="91425" tIns="91425" rIns="91425" bIns="91425" anchor="ctr" anchorCtr="0">
+            <a:noAutofit/>
+          </a:bodyPr>
+          <a:lstStyle/>
+          <a:p>
+            <a:pPr marL="0" lvl="0" indent="0" algn="ctr" rtl="0">
+              <a:spcBef>
+                <a:spcPts val="0"/>
+              </a:spcBef>
+              <a:spcAft>
+                <a:spcPts val="0"/>
+              </a:spcAft>
+              <a:buNone/>
+            </a:pPr>
+            <a:r>
+              <a:rPr lang="en" dirty="0"/>
+              <a:t>Erkenntnis</a:t>
+            </a:r>
+            <a:endParaRPr dirty="0"/>
+          </a:p>
+        </p:txBody>
+      </p:sp>
+      <p:sp>
+        <p:nvSpPr>
+          <p:cNvPr id="5" name="Textfeld 4">
+            <a:extLst>
+              <a:ext uri="{FF2B5EF4-FFF2-40B4-BE49-F238E27FC236}">
+                <a16:creationId xmlns:a16="http://schemas.microsoft.com/office/drawing/2014/main" id="{E7EDC0D5-0ECD-AC99-EF52-A59E62094DCD}"/>
+              </a:ext>
+            </a:extLst>
+          </p:cNvPr>
+          <p:cNvSpPr txBox="1"/>
+          <p:nvPr/>
+        </p:nvSpPr>
+        <p:spPr>
+          <a:xfrm>
+            <a:off x="736741" y="1273054"/>
+            <a:ext cx="7846384" cy="1384995"/>
+          </a:xfrm>
+          <a:prstGeom prst="rect">
+            <a:avLst/>
+          </a:prstGeom>
+          <a:noFill/>
+        </p:spPr>
+        <p:txBody>
+          <a:bodyPr wrap="square" rtlCol="0">
+            <a:spAutoFit/>
+          </a:bodyPr>
+          <a:lstStyle/>
+          <a:p>
+            <a:r>
+              <a:rPr lang="de-DE" dirty="0">
+                <a:solidFill>
+                  <a:schemeClr val="bg1"/>
+                </a:solidFill>
+              </a:rPr>
+              <a:t>Strukturierung der Daten:</a:t>
+            </a:r>
+          </a:p>
+          <a:p>
+            <a:pPr marL="285750" indent="-285750">
+              <a:buClr>
+                <a:schemeClr val="bg1"/>
+              </a:buClr>
+              <a:buFont typeface="Arial" panose="020B0604020202020204" pitchFamily="34" charset="0"/>
+              <a:buChar char="•"/>
+            </a:pPr>
+            <a:r>
+              <a:rPr lang="de-DE" dirty="0">
+                <a:solidFill>
+                  <a:schemeClr val="bg1"/>
+                </a:solidFill>
+              </a:rPr>
+              <a:t>Strukturierung von c-Code</a:t>
+            </a:r>
+          </a:p>
+          <a:p>
+            <a:pPr marL="285750" indent="-285750">
+              <a:buClr>
+                <a:schemeClr val="bg1"/>
+              </a:buClr>
+              <a:buFont typeface="Arial" panose="020B0604020202020204" pitchFamily="34" charset="0"/>
+              <a:buChar char="•"/>
+            </a:pPr>
+            <a:r>
+              <a:rPr lang="de-DE" dirty="0">
+                <a:solidFill>
+                  <a:schemeClr val="bg1"/>
+                </a:solidFill>
+              </a:rPr>
+              <a:t>Einbindung von Dateien</a:t>
+            </a:r>
+          </a:p>
+          <a:p>
+            <a:pPr marL="285750" indent="-285750">
+              <a:buClr>
+                <a:schemeClr val="bg1"/>
+              </a:buClr>
+              <a:buFont typeface="Arial" panose="020B0604020202020204" pitchFamily="34" charset="0"/>
+              <a:buChar char="•"/>
+            </a:pPr>
+            <a:r>
+              <a:rPr lang="de-DE" dirty="0">
+                <a:solidFill>
+                  <a:schemeClr val="bg1"/>
+                </a:solidFill>
+              </a:rPr>
+              <a:t>Skop</a:t>
+            </a:r>
+          </a:p>
+          <a:p>
+            <a:pPr marL="285750" indent="-285750">
+              <a:buClr>
+                <a:schemeClr val="bg1"/>
+              </a:buClr>
+              <a:buFont typeface="Arial" panose="020B0604020202020204" pitchFamily="34" charset="0"/>
+              <a:buChar char="•"/>
+            </a:pPr>
+            <a:r>
+              <a:rPr lang="de-DE" dirty="0" err="1">
+                <a:solidFill>
+                  <a:schemeClr val="bg1"/>
+                </a:solidFill>
+              </a:rPr>
+              <a:t>Timer</a:t>
+            </a:r>
+            <a:endParaRPr lang="de-DE" dirty="0">
+              <a:solidFill>
+                <a:schemeClr val="bg1"/>
+              </a:solidFill>
+            </a:endParaRPr>
+          </a:p>
+          <a:p>
+            <a:pPr marL="285750" indent="-285750">
+              <a:buClr>
+                <a:schemeClr val="bg1"/>
+              </a:buClr>
+              <a:buFont typeface="Arial" panose="020B0604020202020204" pitchFamily="34" charset="0"/>
+              <a:buChar char="•"/>
+            </a:pPr>
+            <a:r>
+              <a:rPr lang="de-DE" dirty="0">
+                <a:solidFill>
+                  <a:schemeClr val="bg1"/>
+                </a:solidFill>
+              </a:rPr>
+              <a:t>Interrupt</a:t>
+            </a:r>
+          </a:p>
+        </p:txBody>
+      </p:sp>
+    </p:spTree>
+    <p:extLst>
+      <p:ext uri="{BB962C8B-B14F-4D97-AF65-F5344CB8AC3E}">
+        <p14:creationId xmlns:p14="http://schemas.microsoft.com/office/powerpoint/2010/main" val="2364041236"/>
+      </p:ext>
+    </p:extLst>
+  </p:cSld>
+  <p:clrMapOvr>
+    <a:masterClrMapping/>
+  </p:clrMapOvr>
+</p:sld>
+</file>
+
+<file path=ppt/slides/slide17.xml><?xml version="1.0" encoding="utf-8"?>
+<p:sld xmlns:a="http://schemas.openxmlformats.org/drawingml/2006/main" xmlns:r="http://schemas.openxmlformats.org/officeDocument/2006/relationships" xmlns:p="http://schemas.openxmlformats.org/presentationml/2006/main">
+  <p:cSld>
+    <p:spTree>
+      <p:nvGrpSpPr>
+        <p:cNvPr id="1" name="Shape 2665"/>
+        <p:cNvGrpSpPr/>
+        <p:nvPr/>
+      </p:nvGrpSpPr>
+      <p:grpSpPr>
+        <a:xfrm>
+          <a:off x="0" y="0"/>
+          <a:ext cx="0" cy="0"/>
+          <a:chOff x="0" y="0"/>
+          <a:chExt cx="0" cy="0"/>
+        </a:xfrm>
+      </p:grpSpPr>
+      <p:sp>
+        <p:nvSpPr>
+          <p:cNvPr id="2678" name="Google Shape;2678;p43"/>
+          <p:cNvSpPr txBox="1">
+            <a:spLocks noGrp="1"/>
+          </p:cNvSpPr>
+          <p:nvPr>
+            <p:ph type="title"/>
+          </p:nvPr>
+        </p:nvSpPr>
+        <p:spPr>
+          <a:xfrm>
+            <a:off x="713225" y="539525"/>
+            <a:ext cx="7717500" cy="478200"/>
+          </a:xfrm>
+          <a:prstGeom prst="rect">
+            <a:avLst/>
+          </a:prstGeom>
+        </p:spPr>
+        <p:txBody>
+          <a:bodyPr spcFirstLastPara="1" wrap="square" lIns="91425" tIns="91425" rIns="91425" bIns="91425" anchor="ctr" anchorCtr="0">
+            <a:noAutofit/>
+          </a:bodyPr>
+          <a:lstStyle/>
+          <a:p>
+            <a:pPr marL="0" lvl="0" indent="0" algn="ctr" rtl="0">
+              <a:spcBef>
+                <a:spcPts val="0"/>
+              </a:spcBef>
+              <a:spcAft>
+                <a:spcPts val="0"/>
+              </a:spcAft>
+              <a:buNone/>
+            </a:pPr>
+            <a:r>
+              <a:rPr lang="en" dirty="0"/>
+              <a:t>Quellen</a:t>
+            </a:r>
+            <a:endParaRPr dirty="0"/>
+          </a:p>
+        </p:txBody>
+      </p:sp>
+    </p:spTree>
+    <p:extLst>
+      <p:ext uri="{BB962C8B-B14F-4D97-AF65-F5344CB8AC3E}">
+        <p14:creationId xmlns:p14="http://schemas.microsoft.com/office/powerpoint/2010/main" val="2724209715"/>
+      </p:ext>
+    </p:extLst>
+  </p:cSld>
+  <p:clrMapOvr>
+    <a:masterClrMapping/>
+  </p:clrMapOvr>
+</p:sld>
+</file>
+
+<file path=ppt/slides/slide18.xml><?xml version="1.0" encoding="utf-8"?>
+<p:sld xmlns:a="http://schemas.openxmlformats.org/drawingml/2006/main" xmlns:r="http://schemas.openxmlformats.org/officeDocument/2006/relationships" xmlns:p="http://schemas.openxmlformats.org/presentationml/2006/main">
+  <p:cSld>
     <p:bg>
       <p:bgPr>
         <a:solidFill>
@@ -52978,7 +54020,7 @@
         </p:nvSpPr>
         <p:spPr>
           <a:xfrm>
-            <a:off x="1251900" y="1284675"/>
+            <a:off x="1251900" y="530295"/>
             <a:ext cx="6640200" cy="2128800"/>
           </a:xfrm>
           <a:prstGeom prst="rect">
@@ -53004,8 +54046,22 @@
               <a:buNone/>
             </a:pPr>
             <a:r>
+              <a:rPr lang="en" dirty="0"/>
+              <a:t>Thank you</a:t>
+            </a:r>
+            <a:br>
+              <a:rPr lang="en" dirty="0"/>
+            </a:br>
+            <a:r>
+              <a:rPr lang="en" dirty="0"/>
+              <a:t>for your</a:t>
+            </a:r>
+            <a:br>
+              <a:rPr lang="en" dirty="0"/>
+            </a:br>
+            <a:r>
               <a:rPr lang="en" sz="7200" dirty="0"/>
-              <a:t>AWESOME </a:t>
+              <a:t> </a:t>
             </a:r>
             <a:r>
               <a:rPr lang="en" sz="7200" dirty="0">
@@ -53013,7 +54069,7 @@
                   <a:schemeClr val="lt2"/>
                 </a:solidFill>
               </a:rPr>
-              <a:t>WORDS</a:t>
+              <a:t>attention</a:t>
             </a:r>
             <a:endParaRPr sz="7200" dirty="0">
               <a:solidFill>
@@ -53437,6 +54493,23 @@
             <a:r>
               <a:rPr lang="en-US" sz="1200" dirty="0"/>
               <a:t>Code</a:t>
+            </a:r>
+          </a:p>
+          <a:p>
+            <a:pPr indent="-304800">
+              <a:lnSpc>
+                <a:spcPct val="100000"/>
+              </a:lnSpc>
+              <a:buClr>
+                <a:schemeClr val="bg1"/>
+              </a:buClr>
+              <a:buSzPts val="1200"/>
+              <a:buFont typeface="+mj-lt"/>
+              <a:buAutoNum type="arabicPeriod"/>
+            </a:pPr>
+            <a:r>
+              <a:rPr lang="en-US" sz="1200" dirty="0"/>
+              <a:t>Tests</a:t>
             </a:r>
           </a:p>
           <a:p>
@@ -54005,7 +55078,7 @@
         </p:nvSpPr>
         <p:spPr>
           <a:xfrm>
-            <a:off x="713225" y="1402537"/>
+            <a:off x="9450825" y="1556087"/>
             <a:ext cx="7846384" cy="2031325"/>
           </a:xfrm>
           <a:prstGeom prst="rect">
@@ -54213,6 +55286,79 @@
   <p:clrMapOvr>
     <a:masterClrMapping/>
   </p:clrMapOvr>
+  <p:timing>
+    <p:tnLst>
+      <p:par>
+        <p:cTn id="1" dur="indefinite" restart="never" nodeType="tmRoot">
+          <p:childTnLst>
+            <p:seq concurrent="1" nextAc="seek">
+              <p:cTn id="2" dur="indefinite" nodeType="mainSeq">
+                <p:childTnLst>
+                  <p:par>
+                    <p:cTn id="3" fill="hold">
+                      <p:stCondLst>
+                        <p:cond delay="indefinite"/>
+                      </p:stCondLst>
+                      <p:childTnLst>
+                        <p:par>
+                          <p:cTn id="4" fill="hold">
+                            <p:stCondLst>
+                              <p:cond delay="0"/>
+                            </p:stCondLst>
+                            <p:childTnLst>
+                              <p:par>
+                                <p:cTn id="5" presetID="35" presetClass="path" presetSubtype="0" accel="50000" decel="50000" fill="hold" grpId="0" nodeType="clickEffect">
+                                  <p:stCondLst>
+                                    <p:cond delay="0"/>
+                                  </p:stCondLst>
+                                  <p:childTnLst>
+                                    <p:animMotion origin="layout" path="M 3.33333E-6 -4.07407E-6 L -0.94583 -0.02222 " pathEditMode="relative" rAng="0" ptsTypes="AA">
+                                      <p:cBhvr>
+                                        <p:cTn id="6" dur="2000" fill="hold"/>
+                                        <p:tgtEl>
+                                          <p:spTgt spid="2"/>
+                                        </p:tgtEl>
+                                        <p:attrNameLst>
+                                          <p:attrName>ppt_x</p:attrName>
+                                          <p:attrName>ppt_y</p:attrName>
+                                        </p:attrNameLst>
+                                      </p:cBhvr>
+                                      <p:rCtr x="-46875" y="185"/>
+                                    </p:animMotion>
+                                  </p:childTnLst>
+                                </p:cTn>
+                              </p:par>
+                            </p:childTnLst>
+                          </p:cTn>
+                        </p:par>
+                      </p:childTnLst>
+                    </p:cTn>
+                  </p:par>
+                </p:childTnLst>
+              </p:cTn>
+              <p:prevCondLst>
+                <p:cond evt="onPrev" delay="0">
+                  <p:tgtEl>
+                    <p:sldTgt/>
+                  </p:tgtEl>
+                </p:cond>
+              </p:prevCondLst>
+              <p:nextCondLst>
+                <p:cond evt="onNext" delay="0">
+                  <p:tgtEl>
+                    <p:sldTgt/>
+                  </p:tgtEl>
+                </p:cond>
+              </p:nextCondLst>
+            </p:seq>
+          </p:childTnLst>
+        </p:cTn>
+      </p:par>
+    </p:tnLst>
+    <p:bldLst>
+      <p:bldP spid="2" grpId="0"/>
+    </p:bldLst>
+  </p:timing>
 </p:sld>
 </file>
 
@@ -54296,8 +55442,8 @@
         </p:blipFill>
         <p:spPr>
           <a:xfrm>
-            <a:off x="4571975" y="1637865"/>
-            <a:ext cx="2083990" cy="3114460"/>
+            <a:off x="4542971" y="1637865"/>
+            <a:ext cx="2112994" cy="3114460"/>
           </a:xfrm>
           <a:prstGeom prst="rect">
             <a:avLst/>
@@ -54318,7 +55464,7 @@
         </p:nvSpPr>
         <p:spPr>
           <a:xfrm rot="10800000" flipV="1">
-            <a:off x="2805074" y="1790417"/>
+            <a:off x="9888052" y="1790417"/>
             <a:ext cx="2660697" cy="209313"/>
           </a:xfrm>
           <a:prstGeom prst="rightArrow">
@@ -54379,7 +55525,7 @@
         </p:nvSpPr>
         <p:spPr>
           <a:xfrm rot="10800000" flipV="1">
-            <a:off x="2447567" y="1609484"/>
+            <a:off x="9530545" y="1609484"/>
             <a:ext cx="2868096" cy="209313"/>
           </a:xfrm>
           <a:prstGeom prst="rightArrow">
@@ -54436,7 +55582,7 @@
         </p:nvSpPr>
         <p:spPr>
           <a:xfrm rot="10800000" flipV="1">
-            <a:off x="3265713" y="1971282"/>
+            <a:off x="10348691" y="1971282"/>
             <a:ext cx="2414334" cy="209313"/>
           </a:xfrm>
           <a:prstGeom prst="rightArrow">
@@ -54499,7 +55645,7 @@
         </p:nvSpPr>
         <p:spPr>
           <a:xfrm rot="10800000" flipV="1">
-            <a:off x="3877605" y="2165918"/>
+            <a:off x="10960583" y="2165918"/>
             <a:ext cx="1925622" cy="209313"/>
           </a:xfrm>
           <a:prstGeom prst="rightArrow">
@@ -54662,6 +55808,148 @@
   <p:clrMapOvr>
     <a:masterClrMapping/>
   </p:clrMapOvr>
+  <p:timing>
+    <p:tnLst>
+      <p:par>
+        <p:cTn id="1" dur="indefinite" restart="never" nodeType="tmRoot">
+          <p:childTnLst>
+            <p:seq concurrent="1" nextAc="seek">
+              <p:cTn id="2" dur="indefinite" nodeType="mainSeq">
+                <p:childTnLst>
+                  <p:par>
+                    <p:cTn id="3" fill="hold">
+                      <p:stCondLst>
+                        <p:cond delay="indefinite"/>
+                      </p:stCondLst>
+                      <p:childTnLst>
+                        <p:par>
+                          <p:cTn id="4" fill="hold">
+                            <p:stCondLst>
+                              <p:cond delay="0"/>
+                            </p:stCondLst>
+                            <p:childTnLst>
+                              <p:par>
+                                <p:cTn id="5" presetID="35" presetClass="path" presetSubtype="0" accel="50000" decel="50000" fill="hold" grpId="0" nodeType="clickEffect">
+                                  <p:stCondLst>
+                                    <p:cond delay="0"/>
+                                  </p:stCondLst>
+                                  <p:childTnLst>
+                                    <p:animMotion origin="layout" path="M 0.0059 0.01482 L -0.78507 -3.33333E-6 " pathEditMode="relative" rAng="0" ptsTypes="AA">
+                                      <p:cBhvr>
+                                        <p:cTn id="6" dur="2000" fill="hold"/>
+                                        <p:tgtEl>
+                                          <p:spTgt spid="13"/>
+                                        </p:tgtEl>
+                                        <p:attrNameLst>
+                                          <p:attrName>ppt_x</p:attrName>
+                                          <p:attrName>ppt_y</p:attrName>
+                                        </p:attrNameLst>
+                                      </p:cBhvr>
+                                      <p:rCtr x="-39549" y="-741"/>
+                                    </p:animMotion>
+                                  </p:childTnLst>
+                                </p:cTn>
+                              </p:par>
+                              <p:par>
+                                <p:cTn id="7" presetID="35" presetClass="path" presetSubtype="0" accel="50000" decel="50000" fill="hold" grpId="0" nodeType="withEffect">
+                                  <p:stCondLst>
+                                    <p:cond delay="0"/>
+                                  </p:stCondLst>
+                                  <p:childTnLst>
+                                    <p:animMotion origin="layout" path="M 2.77778E-7 1.48148E-6 L -0.77691 0.00031 " pathEditMode="relative" rAng="0" ptsTypes="AA">
+                                      <p:cBhvr>
+                                        <p:cTn id="8" dur="2000" fill="hold"/>
+                                        <p:tgtEl>
+                                          <p:spTgt spid="9"/>
+                                        </p:tgtEl>
+                                        <p:attrNameLst>
+                                          <p:attrName>ppt_x</p:attrName>
+                                          <p:attrName>ppt_y</p:attrName>
+                                        </p:attrNameLst>
+                                      </p:cBhvr>
+                                      <p:rCtr x="-38854" y="0"/>
+                                    </p:animMotion>
+                                  </p:childTnLst>
+                                </p:cTn>
+                              </p:par>
+                              <p:par>
+                                <p:cTn id="9" presetID="35" presetClass="path" presetSubtype="0" accel="50000" decel="50000" fill="hold" grpId="0" nodeType="withEffect">
+                                  <p:stCondLst>
+                                    <p:cond delay="0"/>
+                                  </p:stCondLst>
+                                  <p:childTnLst>
+                                    <p:animMotion origin="layout" path="M 4.72222E-6 -3.7037E-6 L -0.78212 0.00062 " pathEditMode="relative" rAng="0" ptsTypes="AA">
+                                      <p:cBhvr>
+                                        <p:cTn id="10" dur="2000" fill="hold"/>
+                                        <p:tgtEl>
+                                          <p:spTgt spid="14"/>
+                                        </p:tgtEl>
+                                        <p:attrNameLst>
+                                          <p:attrName>ppt_x</p:attrName>
+                                          <p:attrName>ppt_y</p:attrName>
+                                        </p:attrNameLst>
+                                      </p:cBhvr>
+                                      <p:rCtr x="-39115" y="31"/>
+                                    </p:animMotion>
+                                  </p:childTnLst>
+                                </p:cTn>
+                              </p:par>
+                              <p:par>
+                                <p:cTn id="11" presetID="35" presetClass="path" presetSubtype="0" accel="50000" decel="50000" fill="hold" grpId="0" nodeType="withEffect">
+                                  <p:stCondLst>
+                                    <p:cond delay="0"/>
+                                  </p:stCondLst>
+                                  <p:childTnLst>
+                                    <p:animMotion origin="layout" path="M 5.55556E-7 1.97531E-6 L -0.77465 -0.00278 " pathEditMode="relative" rAng="0" ptsTypes="AA">
+                                      <p:cBhvr>
+                                        <p:cTn id="12" dur="2000" fill="hold"/>
+                                        <p:tgtEl>
+                                          <p:spTgt spid="15"/>
+                                        </p:tgtEl>
+                                        <p:attrNameLst>
+                                          <p:attrName>ppt_x</p:attrName>
+                                          <p:attrName>ppt_y</p:attrName>
+                                        </p:attrNameLst>
+                                      </p:cBhvr>
+                                      <p:rCtr x="-38733" y="-154"/>
+                                    </p:animMotion>
+                                  </p:childTnLst>
+                                </p:cTn>
+                              </p:par>
+                            </p:childTnLst>
+                          </p:cTn>
+                        </p:par>
+                      </p:childTnLst>
+                    </p:cTn>
+                  </p:par>
+                </p:childTnLst>
+              </p:cTn>
+              <p:prevCondLst>
+                <p:cond evt="onPrev" delay="0">
+                  <p:tgtEl>
+                    <p:sldTgt/>
+                  </p:tgtEl>
+                </p:cond>
+              </p:prevCondLst>
+              <p:nextCondLst>
+                <p:cond evt="onNext" delay="0">
+                  <p:tgtEl>
+                    <p:sldTgt/>
+                  </p:tgtEl>
+                </p:cond>
+              </p:nextCondLst>
+            </p:seq>
+          </p:childTnLst>
+        </p:cTn>
+      </p:par>
+    </p:tnLst>
+    <p:bldLst>
+      <p:bldP spid="9" grpId="0" animBg="1"/>
+      <p:bldP spid="13" grpId="0" animBg="1"/>
+      <p:bldP spid="14" grpId="0" animBg="1"/>
+      <p:bldP spid="15" grpId="0" animBg="1"/>
+    </p:bldLst>
+  </p:timing>
 </p:sld>
 </file>
 
@@ -54762,6 +56050,13 @@
             </a:r>
           </a:p>
           <a:p>
+            <a:pPr marL="285750" indent="-285750">
+              <a:buClr>
+                <a:schemeClr val="bg1"/>
+              </a:buClr>
+              <a:buFont typeface="Arial" panose="020B0604020202020204" pitchFamily="34" charset="0"/>
+              <a:buChar char="•"/>
+            </a:pPr>
             <a:r>
               <a:rPr lang="de-DE" dirty="0">
                 <a:solidFill>
@@ -54795,13 +56090,15 @@
               </a:rPr>
               <a:t> Initialisierung aller Funktionen für die Ampelsteuerung</a:t>
             </a:r>
-            <a:endParaRPr lang="de-DE" dirty="0">
-              <a:solidFill>
-                <a:schemeClr val="bg1"/>
-              </a:solidFill>
-            </a:endParaRPr>
           </a:p>
           <a:p>
+            <a:pPr marL="285750" indent="-285750">
+              <a:buClr>
+                <a:schemeClr val="bg1"/>
+              </a:buClr>
+              <a:buFont typeface="Arial" panose="020B0604020202020204" pitchFamily="34" charset="0"/>
+              <a:buChar char="•"/>
+            </a:pPr>
             <a:r>
               <a:rPr lang="de-DE" dirty="0">
                 <a:solidFill>
@@ -54835,13 +56132,15 @@
               </a:rPr>
               <a:t> Konfigurationseinstellungen  (Pragma, globale „Definitionen“, PLL)</a:t>
             </a:r>
-            <a:endParaRPr lang="de-DE" dirty="0">
-              <a:solidFill>
-                <a:schemeClr val="bg1"/>
-              </a:solidFill>
-            </a:endParaRPr>
           </a:p>
           <a:p>
+            <a:pPr marL="285750" indent="-285750">
+              <a:buClr>
+                <a:schemeClr val="bg1"/>
+              </a:buClr>
+              <a:buFont typeface="Arial" panose="020B0604020202020204" pitchFamily="34" charset="0"/>
+              <a:buChar char="•"/>
+            </a:pPr>
             <a:r>
               <a:rPr lang="de-DE" dirty="0">
                 <a:solidFill>
@@ -54875,13 +56174,15 @@
               </a:rPr>
               <a:t> Initialisierung aller Funktionen für den DHT22</a:t>
             </a:r>
-            <a:endParaRPr lang="de-DE" dirty="0">
-              <a:solidFill>
-                <a:schemeClr val="bg1"/>
-              </a:solidFill>
-            </a:endParaRPr>
           </a:p>
           <a:p>
+            <a:pPr marL="285750" indent="-285750">
+              <a:buClr>
+                <a:schemeClr val="bg1"/>
+              </a:buClr>
+              <a:buFont typeface="Arial" panose="020B0604020202020204" pitchFamily="34" charset="0"/>
+              <a:buChar char="•"/>
+            </a:pPr>
             <a:r>
               <a:rPr lang="de-DE" dirty="0">
                 <a:solidFill>
@@ -54915,13 +56216,15 @@
               </a:rPr>
               <a:t> Initialisierung aller Funktionen für das OLED</a:t>
             </a:r>
-            <a:endParaRPr lang="de-DE" dirty="0">
-              <a:solidFill>
-                <a:schemeClr val="bg1"/>
-              </a:solidFill>
-            </a:endParaRPr>
           </a:p>
           <a:p>
+            <a:pPr marL="285750" indent="-285750">
+              <a:buClr>
+                <a:schemeClr val="bg1"/>
+              </a:buClr>
+              <a:buFont typeface="Arial" panose="020B0604020202020204" pitchFamily="34" charset="0"/>
+              <a:buChar char="•"/>
+            </a:pPr>
             <a:r>
               <a:rPr lang="de-DE" dirty="0">
                 <a:solidFill>
@@ -54991,13 +56294,15 @@
               </a:rPr>
               <a:t> und weiter Verlauf)</a:t>
             </a:r>
-            <a:endParaRPr lang="de-DE" dirty="0">
-              <a:solidFill>
-                <a:schemeClr val="bg1"/>
-              </a:solidFill>
-            </a:endParaRPr>
           </a:p>
           <a:p>
+            <a:pPr marL="285750" indent="-285750">
+              <a:buClr>
+                <a:schemeClr val="bg1"/>
+              </a:buClr>
+              <a:buFont typeface="Arial" panose="020B0604020202020204" pitchFamily="34" charset="0"/>
+              <a:buChar char="•"/>
+            </a:pPr>
             <a:r>
               <a:rPr lang="de-DE" dirty="0">
                 <a:solidFill>
@@ -55031,13 +56336,15 @@
               </a:rPr>
               <a:t> Initialisierung aller Funktionen für die Eingabe (UART)</a:t>
             </a:r>
-            <a:endParaRPr lang="de-DE" dirty="0">
-              <a:solidFill>
-                <a:schemeClr val="bg1"/>
-              </a:solidFill>
-            </a:endParaRPr>
           </a:p>
           <a:p>
+            <a:pPr marL="285750" indent="-285750">
+              <a:buClr>
+                <a:schemeClr val="bg1"/>
+              </a:buClr>
+              <a:buFont typeface="Arial" panose="020B0604020202020204" pitchFamily="34" charset="0"/>
+              <a:buChar char="•"/>
+            </a:pPr>
             <a:r>
               <a:rPr lang="de-DE" dirty="0">
                 <a:solidFill>
@@ -55409,7 +56716,7 @@
         </p:blipFill>
         <p:spPr>
           <a:xfrm>
-            <a:off x="92390" y="810235"/>
+            <a:off x="161140" y="810235"/>
             <a:ext cx="1896430" cy="1303796"/>
           </a:xfrm>
           <a:prstGeom prst="rect">
@@ -55435,7 +56742,7 @@
         </p:nvSpPr>
         <p:spPr>
           <a:xfrm flipH="1">
-            <a:off x="1977270" y="1229722"/>
+            <a:off x="2272903" y="1229722"/>
             <a:ext cx="2526150" cy="522877"/>
           </a:xfrm>
           <a:prstGeom prst="rightArrow">

--- a/MIC.pptx
+++ b/MIC.pptx
@@ -5,7 +5,7 @@
     <p:sldMasterId id="2147483685" r:id="rId1"/>
   </p:sldMasterIdLst>
   <p:notesMasterIdLst>
-    <p:notesMasterId r:id="rId20"/>
+    <p:notesMasterId r:id="rId21"/>
   </p:notesMasterIdLst>
   <p:sldIdLst>
     <p:sldId id="256" r:id="rId2"/>
@@ -21,26 +21,27 @@
     <p:sldId id="316" r:id="rId12"/>
     <p:sldId id="317" r:id="rId13"/>
     <p:sldId id="318" r:id="rId14"/>
-    <p:sldId id="319" r:id="rId15"/>
-    <p:sldId id="320" r:id="rId16"/>
-    <p:sldId id="321" r:id="rId17"/>
-    <p:sldId id="322" r:id="rId18"/>
-    <p:sldId id="269" r:id="rId19"/>
+    <p:sldId id="323" r:id="rId15"/>
+    <p:sldId id="319" r:id="rId16"/>
+    <p:sldId id="320" r:id="rId17"/>
+    <p:sldId id="321" r:id="rId18"/>
+    <p:sldId id="322" r:id="rId19"/>
+    <p:sldId id="269" r:id="rId20"/>
   </p:sldIdLst>
   <p:sldSz cx="9144000" cy="5143500" type="screen16x9"/>
   <p:notesSz cx="6858000" cy="9144000"/>
   <p:embeddedFontLst>
     <p:embeddedFont>
       <p:font typeface="Play" panose="020B0604020202020204" charset="0"/>
-      <p:regular r:id="rId21"/>
-      <p:bold r:id="rId22"/>
+      <p:regular r:id="rId22"/>
+      <p:bold r:id="rId23"/>
     </p:embeddedFont>
     <p:embeddedFont>
       <p:font typeface="Source Sans Pro" panose="020B0503030403020204" pitchFamily="34" charset="0"/>
-      <p:regular r:id="rId23"/>
-      <p:bold r:id="rId24"/>
-      <p:italic r:id="rId25"/>
-      <p:boldItalic r:id="rId26"/>
+      <p:regular r:id="rId24"/>
+      <p:bold r:id="rId25"/>
+      <p:italic r:id="rId26"/>
+      <p:boldItalic r:id="rId27"/>
     </p:embeddedFont>
   </p:embeddedFontLst>
   <p:defaultTextStyle>
@@ -1366,7 +1367,7 @@
     </p:spTree>
     <p:extLst>
       <p:ext uri="{BB962C8B-B14F-4D97-AF65-F5344CB8AC3E}">
-        <p14:creationId xmlns:p14="http://schemas.microsoft.com/office/powerpoint/2010/main" val="4039674451"/>
+        <p14:creationId xmlns:p14="http://schemas.microsoft.com/office/powerpoint/2010/main" val="629045272"/>
       </p:ext>
     </p:extLst>
   </p:cSld>
@@ -1381,7 +1382,7 @@
   <p:cSld>
     <p:spTree>
       <p:nvGrpSpPr>
-        <p:cNvPr id="1" name="Shape 2662"/>
+        <p:cNvPr id="1" name="Shape 2716"/>
         <p:cNvGrpSpPr/>
         <p:nvPr/>
       </p:nvGrpSpPr>
@@ -1395,7 +1396,7 @@
       </p:grpSpPr>
       <p:sp>
         <p:nvSpPr>
-          <p:cNvPr id="2663" name="Google Shape;2663;g10b651380e3_0_1908:notes"/>
+          <p:cNvPr id="2717" name="Google Shape;2717;g10b651380e3_0_2542:notes"/>
           <p:cNvSpPr>
             <a:spLocks noGrp="1" noRot="1" noChangeAspect="1"/>
           </p:cNvSpPr>
@@ -1436,7 +1437,7 @@
       </p:sp>
       <p:sp>
         <p:nvSpPr>
-          <p:cNvPr id="2664" name="Google Shape;2664;g10b651380e3_0_1908:notes"/>
+          <p:cNvPr id="2718" name="Google Shape;2718;g10b651380e3_0_2542:notes"/>
           <p:cNvSpPr txBox="1">
             <a:spLocks noGrp="1"/>
           </p:cNvSpPr>
@@ -1475,7 +1476,7 @@
     </p:spTree>
     <p:extLst>
       <p:ext uri="{BB962C8B-B14F-4D97-AF65-F5344CB8AC3E}">
-        <p14:creationId xmlns:p14="http://schemas.microsoft.com/office/powerpoint/2010/main" val="2289808206"/>
+        <p14:creationId xmlns:p14="http://schemas.microsoft.com/office/powerpoint/2010/main" val="4039674451"/>
       </p:ext>
     </p:extLst>
   </p:cSld>
@@ -1584,7 +1585,7 @@
     </p:spTree>
     <p:extLst>
       <p:ext uri="{BB962C8B-B14F-4D97-AF65-F5344CB8AC3E}">
-        <p14:creationId xmlns:p14="http://schemas.microsoft.com/office/powerpoint/2010/main" val="3004498520"/>
+        <p14:creationId xmlns:p14="http://schemas.microsoft.com/office/powerpoint/2010/main" val="2289808206"/>
       </p:ext>
     </p:extLst>
   </p:cSld>
@@ -1693,6 +1694,115 @@
     </p:spTree>
     <p:extLst>
       <p:ext uri="{BB962C8B-B14F-4D97-AF65-F5344CB8AC3E}">
+        <p14:creationId xmlns:p14="http://schemas.microsoft.com/office/powerpoint/2010/main" val="3004498520"/>
+      </p:ext>
+    </p:extLst>
+  </p:cSld>
+  <p:clrMapOvr>
+    <a:masterClrMapping/>
+  </p:clrMapOvr>
+</p:notes>
+</file>
+
+<file path=ppt/notesSlides/notesSlide18.xml><?xml version="1.0" encoding="utf-8"?>
+<p:notes xmlns:a="http://schemas.openxmlformats.org/drawingml/2006/main" xmlns:r="http://schemas.openxmlformats.org/officeDocument/2006/relationships" xmlns:p="http://schemas.openxmlformats.org/presentationml/2006/main" showMasterSp="0" showMasterPhAnim="0">
+  <p:cSld>
+    <p:spTree>
+      <p:nvGrpSpPr>
+        <p:cNvPr id="1" name="Shape 2662"/>
+        <p:cNvGrpSpPr/>
+        <p:nvPr/>
+      </p:nvGrpSpPr>
+      <p:grpSpPr>
+        <a:xfrm>
+          <a:off x="0" y="0"/>
+          <a:ext cx="0" cy="0"/>
+          <a:chOff x="0" y="0"/>
+          <a:chExt cx="0" cy="0"/>
+        </a:xfrm>
+      </p:grpSpPr>
+      <p:sp>
+        <p:nvSpPr>
+          <p:cNvPr id="2663" name="Google Shape;2663;g10b651380e3_0_1908:notes"/>
+          <p:cNvSpPr>
+            <a:spLocks noGrp="1" noRot="1" noChangeAspect="1"/>
+          </p:cNvSpPr>
+          <p:nvPr>
+            <p:ph type="sldImg" idx="2"/>
+          </p:nvPr>
+        </p:nvSpPr>
+        <p:spPr>
+          <a:xfrm>
+            <a:off x="381000" y="685800"/>
+            <a:ext cx="6096000" cy="3429000"/>
+          </a:xfrm>
+          <a:custGeom>
+            <a:avLst/>
+            <a:gdLst/>
+            <a:ahLst/>
+            <a:cxnLst/>
+            <a:rect l="l" t="t" r="r" b="b"/>
+            <a:pathLst>
+              <a:path w="120000" h="120000" extrusionOk="0">
+                <a:moveTo>
+                  <a:pt x="0" y="0"/>
+                </a:moveTo>
+                <a:lnTo>
+                  <a:pt x="120000" y="0"/>
+                </a:lnTo>
+                <a:lnTo>
+                  <a:pt x="120000" y="120000"/>
+                </a:lnTo>
+                <a:lnTo>
+                  <a:pt x="0" y="120000"/>
+                </a:lnTo>
+                <a:close/>
+              </a:path>
+            </a:pathLst>
+          </a:custGeom>
+        </p:spPr>
+      </p:sp>
+      <p:sp>
+        <p:nvSpPr>
+          <p:cNvPr id="2664" name="Google Shape;2664;g10b651380e3_0_1908:notes"/>
+          <p:cNvSpPr txBox="1">
+            <a:spLocks noGrp="1"/>
+          </p:cNvSpPr>
+          <p:nvPr>
+            <p:ph type="body" idx="1"/>
+          </p:nvPr>
+        </p:nvSpPr>
+        <p:spPr>
+          <a:xfrm>
+            <a:off x="685800" y="4343400"/>
+            <a:ext cx="5486400" cy="4114800"/>
+          </a:xfrm>
+          <a:prstGeom prst="rect">
+            <a:avLst/>
+          </a:prstGeom>
+        </p:spPr>
+        <p:txBody>
+          <a:bodyPr spcFirstLastPara="1" wrap="square" lIns="91425" tIns="91425" rIns="91425" bIns="91425" anchor="t" anchorCtr="0">
+            <a:noAutofit/>
+          </a:bodyPr>
+          <a:lstStyle/>
+          <a:p>
+            <a:pPr marL="0" lvl="0" indent="0" algn="l" rtl="0">
+              <a:spcBef>
+                <a:spcPts val="0"/>
+              </a:spcBef>
+              <a:spcAft>
+                <a:spcPts val="0"/>
+              </a:spcAft>
+              <a:buNone/>
+            </a:pPr>
+            <a:endParaRPr/>
+          </a:p>
+        </p:txBody>
+      </p:sp>
+    </p:spTree>
+    <p:extLst>
+      <p:ext uri="{BB962C8B-B14F-4D97-AF65-F5344CB8AC3E}">
         <p14:creationId xmlns:p14="http://schemas.microsoft.com/office/powerpoint/2010/main" val="4260488797"/>
       </p:ext>
     </p:extLst>
@@ -1703,7 +1813,7 @@
 </p:notes>
 </file>
 
-<file path=ppt/notesSlides/notesSlide18.xml><?xml version="1.0" encoding="utf-8"?>
+<file path=ppt/notesSlides/notesSlide19.xml><?xml version="1.0" encoding="utf-8"?>
 <p:notes xmlns:a="http://schemas.openxmlformats.org/drawingml/2006/main" xmlns:r="http://schemas.openxmlformats.org/officeDocument/2006/relationships" xmlns:p="http://schemas.openxmlformats.org/presentationml/2006/main" showMasterSp="0" showMasterPhAnim="0">
   <p:cSld>
     <p:spTree>
@@ -52179,7 +52289,7 @@
         </p:blipFill>
         <p:spPr>
           <a:xfrm>
-            <a:off x="0" y="707909"/>
+            <a:off x="9525000" y="707909"/>
             <a:ext cx="3752049" cy="2440927"/>
           </a:xfrm>
           <a:prstGeom prst="rect">
@@ -52212,7 +52322,7 @@
         </p:blipFill>
         <p:spPr>
           <a:xfrm>
-            <a:off x="2707924" y="2313944"/>
+            <a:off x="-6893276" y="2313944"/>
             <a:ext cx="6340826" cy="2673217"/>
           </a:xfrm>
           <a:prstGeom prst="rect">
@@ -52238,7 +52348,7 @@
         </p:nvSpPr>
         <p:spPr>
           <a:xfrm flipH="1">
-            <a:off x="3919689" y="1120652"/>
+            <a:off x="13444689" y="1120652"/>
             <a:ext cx="3337560" cy="807720"/>
           </a:xfrm>
           <a:prstGeom prst="rightArrow">
@@ -52283,7 +52393,7 @@
                   <a:schemeClr val="tx1"/>
                 </a:solidFill>
               </a:rPr>
-              <a:t>Speichern den Daten im Array</a:t>
+              <a:t>Speichern der Daten im Array</a:t>
             </a:r>
           </a:p>
         </p:txBody>
@@ -52302,7 +52412,7 @@
         </p:nvSpPr>
         <p:spPr>
           <a:xfrm>
-            <a:off x="101885" y="3796255"/>
+            <a:off x="-9499315" y="3796255"/>
             <a:ext cx="2606039" cy="807720"/>
           </a:xfrm>
           <a:prstGeom prst="rightArrow">
@@ -52336,21 +52446,8 @@
                   <a:schemeClr val="tx1"/>
                 </a:solidFill>
               </a:rPr>
-              <a:t>Daten in Temperatur und Luftfeuchtigkeit </a:t>
+              <a:t>Daten in Temperatur und Luftfeuchtigkeit separieren</a:t>
             </a:r>
-            <a:r>
-              <a:rPr lang="de-DE" dirty="0" err="1">
-                <a:solidFill>
-                  <a:schemeClr val="tx1"/>
-                </a:solidFill>
-              </a:rPr>
-              <a:t>sepaieren</a:t>
-            </a:r>
-            <a:endParaRPr lang="de-DE" dirty="0">
-              <a:solidFill>
-                <a:schemeClr val="tx1"/>
-              </a:solidFill>
-            </a:endParaRPr>
           </a:p>
         </p:txBody>
       </p:sp>
@@ -52359,6 +52456,158 @@
   <p:clrMapOvr>
     <a:masterClrMapping/>
   </p:clrMapOvr>
+  <p:timing>
+    <p:tnLst>
+      <p:par>
+        <p:cTn id="1" dur="indefinite" restart="never" nodeType="tmRoot">
+          <p:childTnLst>
+            <p:seq concurrent="1" nextAc="seek">
+              <p:cTn id="2" dur="indefinite" nodeType="mainSeq">
+                <p:childTnLst>
+                  <p:par>
+                    <p:cTn id="3" fill="hold">
+                      <p:stCondLst>
+                        <p:cond delay="indefinite"/>
+                        <p:cond evt="onBegin" delay="0">
+                          <p:tn val="2"/>
+                        </p:cond>
+                      </p:stCondLst>
+                      <p:childTnLst>
+                        <p:par>
+                          <p:cTn id="4" fill="hold">
+                            <p:stCondLst>
+                              <p:cond delay="0"/>
+                            </p:stCondLst>
+                            <p:childTnLst>
+                              <p:par>
+                                <p:cTn id="5" presetID="35" presetClass="path" presetSubtype="0" accel="50000" decel="50000" fill="hold" nodeType="withEffect">
+                                  <p:stCondLst>
+                                    <p:cond delay="0"/>
+                                  </p:stCondLst>
+                                  <p:childTnLst>
+                                    <p:animMotion origin="layout" path="M -1.38889E-6 5.55112E-17 L -1.04114 5.55112E-17 " pathEditMode="relative" rAng="0" ptsTypes="AA">
+                                      <p:cBhvr>
+                                        <p:cTn id="6" dur="2000" fill="hold"/>
+                                        <p:tgtEl>
+                                          <p:spTgt spid="10"/>
+                                        </p:tgtEl>
+                                        <p:attrNameLst>
+                                          <p:attrName>ppt_x</p:attrName>
+                                          <p:attrName>ppt_y</p:attrName>
+                                        </p:attrNameLst>
+                                      </p:cBhvr>
+                                      <p:rCtr x="-52066" y="0"/>
+                                    </p:animMotion>
+                                  </p:childTnLst>
+                                </p:cTn>
+                              </p:par>
+                              <p:par>
+                                <p:cTn id="7" presetID="35" presetClass="path" presetSubtype="0" accel="50000" decel="50000" fill="hold" grpId="0" nodeType="withEffect">
+                                  <p:stCondLst>
+                                    <p:cond delay="0"/>
+                                  </p:stCondLst>
+                                  <p:childTnLst>
+                                    <p:animMotion origin="layout" path="M 2.22222E-6 3.7037E-6 L -1.25139 -0.01482 " pathEditMode="relative" rAng="0" ptsTypes="AA">
+                                      <p:cBhvr>
+                                        <p:cTn id="8" dur="2000" fill="hold"/>
+                                        <p:tgtEl>
+                                          <p:spTgt spid="12"/>
+                                        </p:tgtEl>
+                                        <p:attrNameLst>
+                                          <p:attrName>ppt_x</p:attrName>
+                                          <p:attrName>ppt_y</p:attrName>
+                                        </p:attrNameLst>
+                                      </p:cBhvr>
+                                      <p:rCtr x="-62569" y="-741"/>
+                                    </p:animMotion>
+                                  </p:childTnLst>
+                                </p:cTn>
+                              </p:par>
+                            </p:childTnLst>
+                          </p:cTn>
+                        </p:par>
+                        <p:par>
+                          <p:cTn id="9" fill="hold">
+                            <p:stCondLst>
+                              <p:cond delay="2000"/>
+                            </p:stCondLst>
+                            <p:childTnLst>
+                              <p:par>
+                                <p:cTn id="10" presetID="63" presetClass="path" presetSubtype="0" accel="50000" decel="50000" fill="hold" grpId="0" nodeType="afterEffect">
+                                  <p:stCondLst>
+                                    <p:cond delay="0"/>
+                                  </p:stCondLst>
+                                  <p:childTnLst>
+                                    <p:animMotion origin="layout" path="M 4.16667E-6 1.97531E-6 L 1.05347 -0.00648 " pathEditMode="relative" rAng="0" ptsTypes="AA">
+                                      <p:cBhvr>
+                                        <p:cTn id="11" dur="2000" fill="hold"/>
+                                        <p:tgtEl>
+                                          <p:spTgt spid="13"/>
+                                        </p:tgtEl>
+                                        <p:attrNameLst>
+                                          <p:attrName>ppt_x</p:attrName>
+                                          <p:attrName>ppt_y</p:attrName>
+                                        </p:attrNameLst>
+                                      </p:cBhvr>
+                                      <p:rCtr x="52674" y="-340"/>
+                                    </p:animMotion>
+                                  </p:childTnLst>
+                                </p:cTn>
+                              </p:par>
+                              <p:par>
+                                <p:cTn id="12" presetID="63" presetClass="path" presetSubtype="0" accel="50000" decel="50000" fill="hold" nodeType="withEffect">
+                                  <p:stCondLst>
+                                    <p:cond delay="0"/>
+                                  </p:stCondLst>
+                                  <p:childTnLst>
+                                    <p:animMotion origin="layout" path="M -1.94444E-6 3.45679E-6 L 1.04688 0.00123 " pathEditMode="relative" rAng="0" ptsTypes="AA">
+                                      <p:cBhvr>
+                                        <p:cTn id="13" dur="2000" fill="hold"/>
+                                        <p:tgtEl>
+                                          <p:spTgt spid="11"/>
+                                        </p:tgtEl>
+                                        <p:attrNameLst>
+                                          <p:attrName>ppt_x</p:attrName>
+                                          <p:attrName>ppt_y</p:attrName>
+                                        </p:attrNameLst>
+                                      </p:cBhvr>
+                                      <p:rCtr x="52344" y="62"/>
+                                    </p:animMotion>
+                                  </p:childTnLst>
+                                </p:cTn>
+                              </p:par>
+                            </p:childTnLst>
+                          </p:cTn>
+                        </p:par>
+                      </p:childTnLst>
+                    </p:cTn>
+                  </p:par>
+                </p:childTnLst>
+              </p:cTn>
+              <p:prevCondLst>
+                <p:cond evt="onPrev" delay="0">
+                  <p:tgtEl>
+                    <p:sldTgt/>
+                  </p:tgtEl>
+                </p:cond>
+              </p:prevCondLst>
+              <p:nextCondLst>
+                <p:cond evt="onNext" delay="0">
+                  <p:tgtEl>
+                    <p:sldTgt/>
+                  </p:tgtEl>
+                </p:cond>
+              </p:nextCondLst>
+            </p:seq>
+          </p:childTnLst>
+        </p:cTn>
+      </p:par>
+    </p:tnLst>
+    <p:bldLst>
+      <p:bldP spid="12" grpId="0" animBg="1"/>
+      <p:bldP spid="13" grpId="0" animBg="1"/>
+    </p:bldLst>
+  </p:timing>
 </p:sld>
 </file>
 
@@ -52379,48 +52628,6 @@
           <a:chExt cx="0" cy="0"/>
         </a:xfrm>
       </p:grpSpPr>
-      <p:sp>
-        <p:nvSpPr>
-          <p:cNvPr id="2720" name="Google Shape;2720;p46"/>
-          <p:cNvSpPr txBox="1">
-            <a:spLocks noGrp="1"/>
-          </p:cNvSpPr>
-          <p:nvPr>
-            <p:ph type="title"/>
-          </p:nvPr>
-        </p:nvSpPr>
-        <p:spPr>
-          <a:xfrm>
-            <a:off x="1690050" y="438850"/>
-            <a:ext cx="5763900" cy="1181100"/>
-          </a:xfrm>
-          <a:prstGeom prst="rect">
-            <a:avLst/>
-          </a:prstGeom>
-        </p:spPr>
-        <p:txBody>
-          <a:bodyPr spcFirstLastPara="1" wrap="square" lIns="91425" tIns="91425" rIns="91425" bIns="91425" anchor="ctr" anchorCtr="0">
-            <a:noAutofit/>
-          </a:bodyPr>
-          <a:lstStyle/>
-          <a:p>
-            <a:pPr marL="0" lvl="0" indent="0" algn="ctr" rtl="0">
-              <a:spcBef>
-                <a:spcPts val="0"/>
-              </a:spcBef>
-              <a:spcAft>
-                <a:spcPts val="0"/>
-              </a:spcAft>
-              <a:buNone/>
-            </a:pPr>
-            <a:r>
-              <a:rPr lang="en" dirty="0"/>
-              <a:t>“oled”</a:t>
-            </a:r>
-            <a:endParaRPr dirty="0"/>
-          </a:p>
-        </p:txBody>
-      </p:sp>
       <p:sp>
         <p:nvSpPr>
           <p:cNvPr id="2721" name="Google Shape;2721;p46"/>
@@ -52494,10 +52701,10 @@
       </p:sp>
       <p:pic>
         <p:nvPicPr>
-          <p:cNvPr id="5" name="Inhaltsplatzhalter 6">
+          <p:cNvPr id="3" name="Grafik 2">
             <a:extLst>
               <a:ext uri="{FF2B5EF4-FFF2-40B4-BE49-F238E27FC236}">
-                <a16:creationId xmlns:a16="http://schemas.microsoft.com/office/drawing/2014/main" id="{CD47E0B1-8928-E272-1ADE-79F9BE5E3FD4}"/>
+                <a16:creationId xmlns:a16="http://schemas.microsoft.com/office/drawing/2014/main" id="{0EE3C636-56C0-727F-3EC7-47E39042F22C}"/>
               </a:ext>
             </a:extLst>
           </p:cNvPr>
@@ -52508,23 +52715,61 @@
         </p:nvPicPr>
         <p:blipFill rotWithShape="1">
           <a:blip r:embed="rId3"/>
-          <a:srcRect l="4486" t="13498" r="6403" b="12900"/>
+          <a:srcRect l="7634" t="10185" r="9924" b="10371"/>
           <a:stretch/>
         </p:blipFill>
         <p:spPr>
           <a:xfrm>
-            <a:off x="0" y="1388154"/>
-            <a:ext cx="9130228" cy="2767244"/>
+            <a:off x="-5529497" y="435429"/>
+            <a:ext cx="5490659" cy="4673597"/>
           </a:xfrm>
           <a:prstGeom prst="rect">
             <a:avLst/>
           </a:prstGeom>
-          <a:noFill/>
-          <a:ln>
-            <a:noFill/>
-          </a:ln>
         </p:spPr>
       </p:pic>
+      <p:sp>
+        <p:nvSpPr>
+          <p:cNvPr id="2720" name="Google Shape;2720;p46"/>
+          <p:cNvSpPr txBox="1">
+            <a:spLocks noGrp="1"/>
+          </p:cNvSpPr>
+          <p:nvPr>
+            <p:ph type="title"/>
+          </p:nvPr>
+        </p:nvSpPr>
+        <p:spPr>
+          <a:xfrm>
+            <a:off x="1690050" y="17941"/>
+            <a:ext cx="5763900" cy="1181100"/>
+          </a:xfrm>
+          <a:prstGeom prst="rect">
+            <a:avLst/>
+          </a:prstGeom>
+        </p:spPr>
+        <p:txBody>
+          <a:bodyPr spcFirstLastPara="1" wrap="square" lIns="91425" tIns="91425" rIns="91425" bIns="91425" anchor="ctr" anchorCtr="0">
+            <a:noAutofit/>
+          </a:bodyPr>
+          <a:lstStyle/>
+          <a:p>
+            <a:pPr marL="0" lvl="0" indent="0" algn="ctr" rtl="0">
+              <a:spcBef>
+                <a:spcPts val="0"/>
+              </a:spcBef>
+              <a:spcAft>
+                <a:spcPts val="0"/>
+              </a:spcAft>
+              <a:buNone/>
+            </a:pPr>
+            <a:r>
+              <a:rPr lang="en" dirty="0"/>
+              <a:t>“oled”</a:t>
+            </a:r>
+            <a:endParaRPr dirty="0"/>
+          </a:p>
+        </p:txBody>
+      </p:sp>
       <p:sp>
         <p:nvSpPr>
           <p:cNvPr id="6" name="Pfeil: nach rechts 5">
@@ -52539,7 +52784,7 @@
         </p:nvSpPr>
         <p:spPr>
           <a:xfrm flipH="1">
-            <a:off x="5067300" y="2771776"/>
+            <a:off x="9969500" y="2771776"/>
             <a:ext cx="3143250" cy="741552"/>
           </a:xfrm>
           <a:prstGeom prst="rightArrow">
@@ -52588,6 +52833,104 @@
   <p:clrMapOvr>
     <a:masterClrMapping/>
   </p:clrMapOvr>
+  <p:timing>
+    <p:tnLst>
+      <p:par>
+        <p:cTn id="1" dur="indefinite" restart="never" nodeType="tmRoot">
+          <p:childTnLst>
+            <p:seq concurrent="1" nextAc="seek">
+              <p:cTn id="2" dur="indefinite" nodeType="mainSeq">
+                <p:childTnLst>
+                  <p:par>
+                    <p:cTn id="3" fill="hold">
+                      <p:stCondLst>
+                        <p:cond delay="indefinite"/>
+                        <p:cond evt="onBegin" delay="0">
+                          <p:tn val="2"/>
+                        </p:cond>
+                      </p:stCondLst>
+                      <p:childTnLst>
+                        <p:par>
+                          <p:cTn id="4" fill="hold">
+                            <p:stCondLst>
+                              <p:cond delay="0"/>
+                            </p:stCondLst>
+                            <p:childTnLst>
+                              <p:par>
+                                <p:cTn id="5" presetID="35" presetClass="path" presetSubtype="0" accel="50000" decel="50000" fill="hold" grpId="0" nodeType="withEffect">
+                                  <p:stCondLst>
+                                    <p:cond delay="0"/>
+                                  </p:stCondLst>
+                                  <p:childTnLst>
+                                    <p:animMotion origin="layout" path="M -2.77778E-6 -2.46914E-6 L -0.48906 -0.00123 " pathEditMode="relative" rAng="0" ptsTypes="AA">
+                                      <p:cBhvr>
+                                        <p:cTn id="6" dur="2000" fill="hold"/>
+                                        <p:tgtEl>
+                                          <p:spTgt spid="6"/>
+                                        </p:tgtEl>
+                                        <p:attrNameLst>
+                                          <p:attrName>ppt_x</p:attrName>
+                                          <p:attrName>ppt_y</p:attrName>
+                                        </p:attrNameLst>
+                                      </p:cBhvr>
+                                      <p:rCtr x="-24462" y="-62"/>
+                                    </p:animMotion>
+                                  </p:childTnLst>
+                                </p:cTn>
+                              </p:par>
+                              <p:par>
+                                <p:cTn id="7" presetID="63" presetClass="path" presetSubtype="0" accel="50000" decel="50000" fill="hold" nodeType="withEffect">
+                                  <p:stCondLst>
+                                    <p:cond delay="0"/>
+                                  </p:stCondLst>
+                                  <p:childTnLst>
+                                    <p:animMotion origin="layout" path="M 2.77778E-7 1.11111E-6 L 0.79167 1.11111E-6 " pathEditMode="relative" rAng="0" ptsTypes="AA">
+                                      <p:cBhvr>
+                                        <p:cTn id="8" dur="2000" fill="hold"/>
+                                        <p:tgtEl>
+                                          <p:spTgt spid="3"/>
+                                        </p:tgtEl>
+                                        <p:attrNameLst>
+                                          <p:attrName>ppt_x</p:attrName>
+                                          <p:attrName>ppt_y</p:attrName>
+                                        </p:attrNameLst>
+                                      </p:cBhvr>
+                                      <p:rCtr x="39583" y="0"/>
+                                    </p:animMotion>
+                                  </p:childTnLst>
+                                </p:cTn>
+                              </p:par>
+                            </p:childTnLst>
+                          </p:cTn>
+                        </p:par>
+                      </p:childTnLst>
+                    </p:cTn>
+                  </p:par>
+                </p:childTnLst>
+              </p:cTn>
+              <p:prevCondLst>
+                <p:cond evt="onPrev" delay="0">
+                  <p:tgtEl>
+                    <p:sldTgt/>
+                  </p:tgtEl>
+                </p:cond>
+              </p:prevCondLst>
+              <p:nextCondLst>
+                <p:cond evt="onNext" delay="0">
+                  <p:tgtEl>
+                    <p:sldTgt/>
+                  </p:tgtEl>
+                </p:cond>
+              </p:nextCondLst>
+            </p:seq>
+          </p:childTnLst>
+        </p:cTn>
+      </p:par>
+    </p:tnLst>
+    <p:bldLst>
+      <p:bldP spid="6" grpId="0" animBg="1"/>
+    </p:bldLst>
+  </p:timing>
 </p:sld>
 </file>
 
@@ -52621,7 +52964,7 @@
         <p:spPr>
           <a:xfrm>
             <a:off x="1690050" y="438850"/>
-            <a:ext cx="5763900" cy="1181100"/>
+            <a:ext cx="5763900" cy="512100"/>
           </a:xfrm>
           <a:prstGeom prst="rect">
             <a:avLst/>
@@ -52933,6 +53276,9 @@
                     <p:cTn id="3" fill="hold">
                       <p:stCondLst>
                         <p:cond delay="indefinite"/>
+                        <p:cond evt="onBegin" delay="0">
+                          <p:tn val="2"/>
+                        </p:cond>
                       </p:stCondLst>
                       <p:childTnLst>
                         <p:par>
@@ -52942,14 +53288,178 @@
                             </p:stCondLst>
                             <p:childTnLst>
                               <p:par>
-                                <p:cTn id="5" presetID="2" presetClass="exit" presetSubtype="4" fill="hold" nodeType="clickEffect">
+                                <p:cTn id="5" presetID="2" presetClass="entr" presetSubtype="4" fill="hold" nodeType="withEffect">
+                                  <p:stCondLst>
+                                    <p:cond delay="0"/>
+                                  </p:stCondLst>
+                                  <p:childTnLst>
+                                    <p:set>
+                                      <p:cBhvr>
+                                        <p:cTn id="6" dur="1" fill="hold">
+                                          <p:stCondLst>
+                                            <p:cond delay="0"/>
+                                          </p:stCondLst>
+                                        </p:cTn>
+                                        <p:tgtEl>
+                                          <p:spTgt spid="2"/>
+                                        </p:tgtEl>
+                                        <p:attrNameLst>
+                                          <p:attrName>style.visibility</p:attrName>
+                                        </p:attrNameLst>
+                                      </p:cBhvr>
+                                      <p:to>
+                                        <p:strVal val="visible"/>
+                                      </p:to>
+                                    </p:set>
+                                    <p:anim calcmode="lin" valueType="num">
+                                      <p:cBhvr additive="base">
+                                        <p:cTn id="7" dur="1000" fill="hold"/>
+                                        <p:tgtEl>
+                                          <p:spTgt spid="2"/>
+                                        </p:tgtEl>
+                                        <p:attrNameLst>
+                                          <p:attrName>ppt_x</p:attrName>
+                                        </p:attrNameLst>
+                                      </p:cBhvr>
+                                      <p:tavLst>
+                                        <p:tav tm="0">
+                                          <p:val>
+                                            <p:strVal val="#ppt_x"/>
+                                          </p:val>
+                                        </p:tav>
+                                        <p:tav tm="100000">
+                                          <p:val>
+                                            <p:strVal val="#ppt_x"/>
+                                          </p:val>
+                                        </p:tav>
+                                      </p:tavLst>
+                                    </p:anim>
+                                    <p:anim calcmode="lin" valueType="num">
+                                      <p:cBhvr additive="base">
+                                        <p:cTn id="8" dur="1000" fill="hold"/>
+                                        <p:tgtEl>
+                                          <p:spTgt spid="2"/>
+                                        </p:tgtEl>
+                                        <p:attrNameLst>
+                                          <p:attrName>ppt_y</p:attrName>
+                                        </p:attrNameLst>
+                                      </p:cBhvr>
+                                      <p:tavLst>
+                                        <p:tav tm="0">
+                                          <p:val>
+                                            <p:strVal val="1+#ppt_h/2"/>
+                                          </p:val>
+                                        </p:tav>
+                                        <p:tav tm="100000">
+                                          <p:val>
+                                            <p:strVal val="#ppt_y"/>
+                                          </p:val>
+                                        </p:tav>
+                                      </p:tavLst>
+                                    </p:anim>
+                                  </p:childTnLst>
+                                </p:cTn>
+                              </p:par>
+                              <p:par>
+                                <p:cTn id="9" presetID="2" presetClass="entr" presetSubtype="4" fill="hold" grpId="1" nodeType="withEffect">
+                                  <p:stCondLst>
+                                    <p:cond delay="0"/>
+                                  </p:stCondLst>
+                                  <p:childTnLst>
+                                    <p:set>
+                                      <p:cBhvr>
+                                        <p:cTn id="10" dur="1" fill="hold">
+                                          <p:stCondLst>
+                                            <p:cond delay="0"/>
+                                          </p:stCondLst>
+                                        </p:cTn>
+                                        <p:tgtEl>
+                                          <p:spTgt spid="8"/>
+                                        </p:tgtEl>
+                                        <p:attrNameLst>
+                                          <p:attrName>style.visibility</p:attrName>
+                                        </p:attrNameLst>
+                                      </p:cBhvr>
+                                      <p:to>
+                                        <p:strVal val="visible"/>
+                                      </p:to>
+                                    </p:set>
+                                    <p:anim calcmode="lin" valueType="num">
+                                      <p:cBhvr additive="base">
+                                        <p:cTn id="11" dur="1000" fill="hold"/>
+                                        <p:tgtEl>
+                                          <p:spTgt spid="8"/>
+                                        </p:tgtEl>
+                                        <p:attrNameLst>
+                                          <p:attrName>ppt_x</p:attrName>
+                                        </p:attrNameLst>
+                                      </p:cBhvr>
+                                      <p:tavLst>
+                                        <p:tav tm="0">
+                                          <p:val>
+                                            <p:strVal val="#ppt_x"/>
+                                          </p:val>
+                                        </p:tav>
+                                        <p:tav tm="100000">
+                                          <p:val>
+                                            <p:strVal val="#ppt_x"/>
+                                          </p:val>
+                                        </p:tav>
+                                      </p:tavLst>
+                                    </p:anim>
+                                    <p:anim calcmode="lin" valueType="num">
+                                      <p:cBhvr additive="base">
+                                        <p:cTn id="12" dur="1000" fill="hold"/>
+                                        <p:tgtEl>
+                                          <p:spTgt spid="8"/>
+                                        </p:tgtEl>
+                                        <p:attrNameLst>
+                                          <p:attrName>ppt_y</p:attrName>
+                                        </p:attrNameLst>
+                                      </p:cBhvr>
+                                      <p:tavLst>
+                                        <p:tav tm="0">
+                                          <p:val>
+                                            <p:strVal val="1+#ppt_h/2"/>
+                                          </p:val>
+                                        </p:tav>
+                                        <p:tav tm="100000">
+                                          <p:val>
+                                            <p:strVal val="#ppt_y"/>
+                                          </p:val>
+                                        </p:tav>
+                                      </p:tavLst>
+                                    </p:anim>
+                                  </p:childTnLst>
+                                </p:cTn>
+                              </p:par>
+                            </p:childTnLst>
+                          </p:cTn>
+                        </p:par>
+                      </p:childTnLst>
+                    </p:cTn>
+                  </p:par>
+                  <p:par>
+                    <p:cTn id="13" fill="hold">
+                      <p:stCondLst>
+                        <p:cond delay="indefinite"/>
+                      </p:stCondLst>
+                      <p:childTnLst>
+                        <p:par>
+                          <p:cTn id="14" fill="hold">
+                            <p:stCondLst>
+                              <p:cond delay="0"/>
+                            </p:stCondLst>
+                            <p:childTnLst>
+                              <p:par>
+                                <p:cTn id="15" presetID="2" presetClass="exit" presetSubtype="4" fill="hold" nodeType="clickEffect">
                                   <p:stCondLst>
                                     <p:cond delay="0"/>
                                   </p:stCondLst>
                                   <p:childTnLst>
                                     <p:anim calcmode="lin" valueType="num">
                                       <p:cBhvr additive="base">
-                                        <p:cTn id="6" dur="500"/>
+                                        <p:cTn id="16" dur="1000"/>
                                         <p:tgtEl>
                                           <p:spTgt spid="2"/>
                                         </p:tgtEl>
@@ -52972,7 +53482,7 @@
                                     </p:anim>
                                     <p:anim calcmode="lin" valueType="num">
                                       <p:cBhvr additive="base">
-                                        <p:cTn id="7" dur="500"/>
+                                        <p:cTn id="17" dur="1000"/>
                                         <p:tgtEl>
                                           <p:spTgt spid="2"/>
                                         </p:tgtEl>
@@ -52995,9 +53505,9 @@
                                     </p:anim>
                                     <p:set>
                                       <p:cBhvr>
-                                        <p:cTn id="8" dur="1" fill="hold">
+                                        <p:cTn id="18" dur="1" fill="hold">
                                           <p:stCondLst>
-                                            <p:cond delay="499"/>
+                                            <p:cond delay="999"/>
                                           </p:stCondLst>
                                         </p:cTn>
                                         <p:tgtEl>
@@ -53015,14 +53525,14 @@
                                 </p:cTn>
                               </p:par>
                               <p:par>
-                                <p:cTn id="9" presetID="2" presetClass="exit" presetSubtype="4" fill="hold" grpId="0" nodeType="withEffect">
+                                <p:cTn id="19" presetID="2" presetClass="exit" presetSubtype="4" fill="hold" grpId="0" nodeType="withEffect">
                                   <p:stCondLst>
                                     <p:cond delay="0"/>
                                   </p:stCondLst>
                                   <p:childTnLst>
                                     <p:anim calcmode="lin" valueType="num">
                                       <p:cBhvr additive="base">
-                                        <p:cTn id="10" dur="500"/>
+                                        <p:cTn id="20" dur="1000"/>
                                         <p:tgtEl>
                                           <p:spTgt spid="8"/>
                                         </p:tgtEl>
@@ -53045,7 +53555,7 @@
                                     </p:anim>
                                     <p:anim calcmode="lin" valueType="num">
                                       <p:cBhvr additive="base">
-                                        <p:cTn id="11" dur="500"/>
+                                        <p:cTn id="21" dur="1000"/>
                                         <p:tgtEl>
                                           <p:spTgt spid="8"/>
                                         </p:tgtEl>
@@ -53068,9 +53578,9 @@
                                     </p:anim>
                                     <p:set>
                                       <p:cBhvr>
-                                        <p:cTn id="12" dur="1" fill="hold">
+                                        <p:cTn id="22" dur="1" fill="hold">
                                           <p:stCondLst>
-                                            <p:cond delay="499"/>
+                                            <p:cond delay="999"/>
                                           </p:stCondLst>
                                         </p:cTn>
                                         <p:tgtEl>
@@ -53087,33 +53597,15 @@
                                   </p:childTnLst>
                                 </p:cTn>
                               </p:par>
-                            </p:childTnLst>
-                          </p:cTn>
-                        </p:par>
-                      </p:childTnLst>
-                    </p:cTn>
-                  </p:par>
-                  <p:par>
-                    <p:cTn id="13" fill="hold">
-                      <p:stCondLst>
-                        <p:cond delay="indefinite"/>
-                      </p:stCondLst>
-                      <p:childTnLst>
-                        <p:par>
-                          <p:cTn id="14" fill="hold">
-                            <p:stCondLst>
-                              <p:cond delay="0"/>
-                            </p:stCondLst>
-                            <p:childTnLst>
                               <p:par>
-                                <p:cTn id="15" presetID="2" presetClass="entr" presetSubtype="4" fill="hold" grpId="0" nodeType="clickEffect">
+                                <p:cTn id="23" presetID="2" presetClass="entr" presetSubtype="4" fill="hold" grpId="0" nodeType="withEffect">
                                   <p:stCondLst>
                                     <p:cond delay="0"/>
                                   </p:stCondLst>
                                   <p:childTnLst>
                                     <p:set>
                                       <p:cBhvr>
-                                        <p:cTn id="16" dur="1" fill="hold">
+                                        <p:cTn id="24" dur="1" fill="hold">
                                           <p:stCondLst>
                                             <p:cond delay="0"/>
                                           </p:stCondLst>
@@ -53131,7 +53623,7 @@
                                     </p:set>
                                     <p:anim calcmode="lin" valueType="num">
                                       <p:cBhvr additive="base">
-                                        <p:cTn id="17" dur="500" fill="hold"/>
+                                        <p:cTn id="25" dur="1000" fill="hold"/>
                                         <p:tgtEl>
                                           <p:spTgt spid="10"/>
                                         </p:tgtEl>
@@ -53154,7 +53646,7 @@
                                     </p:anim>
                                     <p:anim calcmode="lin" valueType="num">
                                       <p:cBhvr additive="base">
-                                        <p:cTn id="18" dur="500" fill="hold"/>
+                                        <p:cTn id="26" dur="1000" fill="hold"/>
                                         <p:tgtEl>
                                           <p:spTgt spid="10"/>
                                         </p:tgtEl>
@@ -53179,14 +53671,14 @@
                                 </p:cTn>
                               </p:par>
                               <p:par>
-                                <p:cTn id="19" presetID="2" presetClass="entr" presetSubtype="4" fill="hold" nodeType="withEffect">
+                                <p:cTn id="27" presetID="2" presetClass="entr" presetSubtype="4" fill="hold" nodeType="withEffect">
                                   <p:stCondLst>
                                     <p:cond delay="0"/>
                                   </p:stCondLst>
                                   <p:childTnLst>
                                     <p:set>
                                       <p:cBhvr>
-                                        <p:cTn id="20" dur="1" fill="hold">
+                                        <p:cTn id="28" dur="1" fill="hold">
                                           <p:stCondLst>
                                             <p:cond delay="0"/>
                                           </p:stCondLst>
@@ -53204,7 +53696,7 @@
                                     </p:set>
                                     <p:anim calcmode="lin" valueType="num">
                                       <p:cBhvr additive="base">
-                                        <p:cTn id="21" dur="500" fill="hold"/>
+                                        <p:cTn id="29" dur="1000" fill="hold"/>
                                         <p:tgtEl>
                                           <p:spTgt spid="7"/>
                                         </p:tgtEl>
@@ -53227,7 +53719,7 @@
                                     </p:anim>
                                     <p:anim calcmode="lin" valueType="num">
                                       <p:cBhvr additive="base">
-                                        <p:cTn id="22" dur="500" fill="hold"/>
+                                        <p:cTn id="30" dur="1000" fill="hold"/>
                                         <p:tgtEl>
                                           <p:spTgt spid="7"/>
                                         </p:tgtEl>
@@ -53280,6 +53772,7 @@
     </p:tnLst>
     <p:bldLst>
       <p:bldP spid="8" grpId="0" animBg="1"/>
+      <p:bldP spid="8" grpId="1" animBg="1"/>
       <p:bldP spid="10" grpId="0" animBg="1"/>
     </p:bldLst>
   </p:timing>
@@ -53316,7 +53809,7 @@
         <p:spPr>
           <a:xfrm>
             <a:off x="1690050" y="438850"/>
-            <a:ext cx="5763900" cy="1181100"/>
+            <a:ext cx="5763900" cy="504125"/>
           </a:xfrm>
           <a:prstGeom prst="rect">
             <a:avLst/>
@@ -53412,16 +53905,16 @@
           <a:bodyPr/>
           <a:lstStyle/>
           <a:p>
-            <a:endParaRPr lang="de-DE"/>
+            <a:endParaRPr lang="de-DE" dirty="0"/>
           </a:p>
         </p:txBody>
       </p:sp>
       <p:pic>
         <p:nvPicPr>
-          <p:cNvPr id="2" name="Inhaltsplatzhalter 6">
+          <p:cNvPr id="5" name="Grafik 4">
             <a:extLst>
               <a:ext uri="{FF2B5EF4-FFF2-40B4-BE49-F238E27FC236}">
-                <a16:creationId xmlns:a16="http://schemas.microsoft.com/office/drawing/2014/main" id="{20D43AEF-9F5A-7800-72D6-CE1C2D927544}"/>
+                <a16:creationId xmlns:a16="http://schemas.microsoft.com/office/drawing/2014/main" id="{085DB7A1-E6A4-C96B-712B-4D921D242AD7}"/>
               </a:ext>
             </a:extLst>
           </p:cNvPr>
@@ -53432,23 +53925,72 @@
         </p:nvPicPr>
         <p:blipFill rotWithShape="1">
           <a:blip r:embed="rId3"/>
-          <a:srcRect l="4745" t="10433" r="5142" b="10144"/>
+          <a:srcRect l="4861" t="9877" r="4861" b="10136"/>
           <a:stretch/>
         </p:blipFill>
         <p:spPr>
           <a:xfrm>
-            <a:off x="1247775" y="1359780"/>
-            <a:ext cx="7096125" cy="3344870"/>
+            <a:off x="-8343900" y="1231900"/>
+            <a:ext cx="8255000" cy="3911600"/>
           </a:xfrm>
           <a:prstGeom prst="rect">
             <a:avLst/>
           </a:prstGeom>
-          <a:noFill/>
-          <a:ln>
-            <a:noFill/>
-          </a:ln>
         </p:spPr>
       </p:pic>
+      <p:sp>
+        <p:nvSpPr>
+          <p:cNvPr id="6" name="Pfeil: nach rechts 5">
+            <a:extLst>
+              <a:ext uri="{FF2B5EF4-FFF2-40B4-BE49-F238E27FC236}">
+                <a16:creationId xmlns:a16="http://schemas.microsoft.com/office/drawing/2014/main" id="{1A4C0D03-110D-0A0D-7EF5-8478DAE62529}"/>
+              </a:ext>
+            </a:extLst>
+          </p:cNvPr>
+          <p:cNvSpPr/>
+          <p:nvPr/>
+        </p:nvSpPr>
+        <p:spPr>
+          <a:xfrm flipH="1">
+            <a:off x="9232900" y="1701474"/>
+            <a:ext cx="3416300" cy="870275"/>
+          </a:xfrm>
+          <a:prstGeom prst="rightArrow">
+            <a:avLst/>
+          </a:prstGeom>
+        </p:spPr>
+        <p:style>
+          <a:lnRef idx="2">
+            <a:schemeClr val="accent1">
+              <a:shade val="50000"/>
+            </a:schemeClr>
+          </a:lnRef>
+          <a:fillRef idx="1">
+            <a:schemeClr val="accent1"/>
+          </a:fillRef>
+          <a:effectRef idx="0">
+            <a:schemeClr val="accent1"/>
+          </a:effectRef>
+          <a:fontRef idx="minor">
+            <a:schemeClr val="lt1"/>
+          </a:fontRef>
+        </p:style>
+        <p:txBody>
+          <a:bodyPr rtlCol="0" anchor="ctr"/>
+          <a:lstStyle/>
+          <a:p>
+            <a:pPr algn="ctr"/>
+            <a:r>
+              <a:rPr lang="de-DE" dirty="0">
+                <a:solidFill>
+                  <a:schemeClr val="tx1"/>
+                </a:solidFill>
+              </a:rPr>
+              <a:t>Eingabe wird in Floate umgewandelt und überprüft</a:t>
+            </a:r>
+          </a:p>
+        </p:txBody>
+      </p:sp>
     </p:spTree>
     <p:extLst>
       <p:ext uri="{BB962C8B-B14F-4D97-AF65-F5344CB8AC3E}">
@@ -53459,6 +54001,104 @@
   <p:clrMapOvr>
     <a:masterClrMapping/>
   </p:clrMapOvr>
+  <p:timing>
+    <p:tnLst>
+      <p:par>
+        <p:cTn id="1" dur="indefinite" restart="never" nodeType="tmRoot">
+          <p:childTnLst>
+            <p:seq concurrent="1" nextAc="seek">
+              <p:cTn id="2" dur="indefinite" nodeType="mainSeq">
+                <p:childTnLst>
+                  <p:par>
+                    <p:cTn id="3" fill="hold">
+                      <p:stCondLst>
+                        <p:cond delay="indefinite"/>
+                        <p:cond evt="onBegin" delay="0">
+                          <p:tn val="2"/>
+                        </p:cond>
+                      </p:stCondLst>
+                      <p:childTnLst>
+                        <p:par>
+                          <p:cTn id="4" fill="hold">
+                            <p:stCondLst>
+                              <p:cond delay="0"/>
+                            </p:stCondLst>
+                            <p:childTnLst>
+                              <p:par>
+                                <p:cTn id="5" presetID="63" presetClass="path" presetSubtype="0" accel="50000" decel="50000" fill="hold" nodeType="withEffect">
+                                  <p:stCondLst>
+                                    <p:cond delay="0"/>
+                                  </p:stCondLst>
+                                  <p:childTnLst>
+                                    <p:animMotion origin="layout" path="M 1.11111E-6 -3.08642E-6 L 0.98194 -0.00494 " pathEditMode="relative" rAng="0" ptsTypes="AA">
+                                      <p:cBhvr>
+                                        <p:cTn id="6" dur="2000" fill="hold"/>
+                                        <p:tgtEl>
+                                          <p:spTgt spid="5"/>
+                                        </p:tgtEl>
+                                        <p:attrNameLst>
+                                          <p:attrName>ppt_x</p:attrName>
+                                          <p:attrName>ppt_y</p:attrName>
+                                        </p:attrNameLst>
+                                      </p:cBhvr>
+                                      <p:rCtr x="49097" y="-247"/>
+                                    </p:animMotion>
+                                  </p:childTnLst>
+                                </p:cTn>
+                              </p:par>
+                              <p:par>
+                                <p:cTn id="7" presetID="35" presetClass="path" presetSubtype="0" accel="50000" decel="50000" fill="hold" grpId="0" nodeType="withEffect">
+                                  <p:stCondLst>
+                                    <p:cond delay="0"/>
+                                  </p:stCondLst>
+                                  <p:childTnLst>
+                                    <p:animMotion origin="layout" path="M 2.22222E-6 -2.09877E-6 L -0.45486 0.00679 " pathEditMode="relative" rAng="0" ptsTypes="AA">
+                                      <p:cBhvr>
+                                        <p:cTn id="8" dur="2000" fill="hold"/>
+                                        <p:tgtEl>
+                                          <p:spTgt spid="6"/>
+                                        </p:tgtEl>
+                                        <p:attrNameLst>
+                                          <p:attrName>ppt_x</p:attrName>
+                                          <p:attrName>ppt_y</p:attrName>
+                                        </p:attrNameLst>
+                                      </p:cBhvr>
+                                      <p:rCtr x="-22743" y="340"/>
+                                    </p:animMotion>
+                                  </p:childTnLst>
+                                </p:cTn>
+                              </p:par>
+                            </p:childTnLst>
+                          </p:cTn>
+                        </p:par>
+                      </p:childTnLst>
+                    </p:cTn>
+                  </p:par>
+                </p:childTnLst>
+              </p:cTn>
+              <p:prevCondLst>
+                <p:cond evt="onPrev" delay="0">
+                  <p:tgtEl>
+                    <p:sldTgt/>
+                  </p:tgtEl>
+                </p:cond>
+              </p:prevCondLst>
+              <p:nextCondLst>
+                <p:cond evt="onNext" delay="0">
+                  <p:tgtEl>
+                    <p:sldTgt/>
+                  </p:tgtEl>
+                </p:cond>
+              </p:nextCondLst>
+            </p:seq>
+          </p:childTnLst>
+        </p:cTn>
+      </p:par>
+    </p:tnLst>
+    <p:bldLst>
+      <p:bldP spid="6" grpId="0" animBg="1"/>
+    </p:bldLst>
+  </p:timing>
 </p:sld>
 </file>
 
@@ -53479,48 +54119,6 @@
           <a:chExt cx="0" cy="0"/>
         </a:xfrm>
       </p:grpSpPr>
-      <p:sp>
-        <p:nvSpPr>
-          <p:cNvPr id="2720" name="Google Shape;2720;p46"/>
-          <p:cNvSpPr txBox="1">
-            <a:spLocks noGrp="1"/>
-          </p:cNvSpPr>
-          <p:nvPr>
-            <p:ph type="title"/>
-          </p:nvPr>
-        </p:nvSpPr>
-        <p:spPr>
-          <a:xfrm>
-            <a:off x="1690050" y="438850"/>
-            <a:ext cx="5763900" cy="1181100"/>
-          </a:xfrm>
-          <a:prstGeom prst="rect">
-            <a:avLst/>
-          </a:prstGeom>
-        </p:spPr>
-        <p:txBody>
-          <a:bodyPr spcFirstLastPara="1" wrap="square" lIns="91425" tIns="91425" rIns="91425" bIns="91425" anchor="ctr" anchorCtr="0">
-            <a:noAutofit/>
-          </a:bodyPr>
-          <a:lstStyle/>
-          <a:p>
-            <a:pPr marL="0" lvl="0" indent="0" algn="ctr" rtl="0">
-              <a:spcBef>
-                <a:spcPts val="0"/>
-              </a:spcBef>
-              <a:spcAft>
-                <a:spcPts val="0"/>
-              </a:spcAft>
-              <a:buNone/>
-            </a:pPr>
-            <a:r>
-              <a:rPr lang="en" dirty="0"/>
-              <a:t>“main”</a:t>
-            </a:r>
-            <a:endParaRPr dirty="0"/>
-          </a:p>
-        </p:txBody>
-      </p:sp>
       <p:sp>
         <p:nvSpPr>
           <p:cNvPr id="2721" name="Google Shape;2721;p46"/>
@@ -53594,10 +54192,10 @@
       </p:sp>
       <p:pic>
         <p:nvPicPr>
-          <p:cNvPr id="2" name="Inhaltsplatzhalter 6">
+          <p:cNvPr id="5" name="Grafik 4">
             <a:extLst>
               <a:ext uri="{FF2B5EF4-FFF2-40B4-BE49-F238E27FC236}">
-                <a16:creationId xmlns:a16="http://schemas.microsoft.com/office/drawing/2014/main" id="{A102E152-ABB3-6FCA-4FF6-857DCD1A58A7}"/>
+                <a16:creationId xmlns:a16="http://schemas.microsoft.com/office/drawing/2014/main" id="{401C985A-C954-5937-6727-720E5DE132DC}"/>
               </a:ext>
             </a:extLst>
           </p:cNvPr>
@@ -53608,23 +54206,448 @@
         </p:nvPicPr>
         <p:blipFill rotWithShape="1">
           <a:blip r:embed="rId3"/>
-          <a:srcRect l="4308" t="8701" r="4574" b="7917"/>
+          <a:srcRect l="4444" t="8993" r="5278" b="8734"/>
           <a:stretch/>
         </p:blipFill>
         <p:spPr>
           <a:xfrm>
-            <a:off x="1133476" y="1296924"/>
-            <a:ext cx="7320600" cy="3596270"/>
+            <a:off x="-9259450" y="343250"/>
+            <a:ext cx="9110220" cy="4457000"/>
           </a:xfrm>
           <a:prstGeom prst="rect">
             <a:avLst/>
           </a:prstGeom>
-          <a:noFill/>
-          <a:ln>
-            <a:noFill/>
-          </a:ln>
         </p:spPr>
       </p:pic>
+      <p:sp>
+        <p:nvSpPr>
+          <p:cNvPr id="2720" name="Google Shape;2720;p46"/>
+          <p:cNvSpPr txBox="1">
+            <a:spLocks noGrp="1"/>
+          </p:cNvSpPr>
+          <p:nvPr>
+            <p:ph type="title"/>
+          </p:nvPr>
+        </p:nvSpPr>
+        <p:spPr>
+          <a:xfrm>
+            <a:off x="1690050" y="438850"/>
+            <a:ext cx="5763900" cy="542225"/>
+          </a:xfrm>
+          <a:prstGeom prst="rect">
+            <a:avLst/>
+          </a:prstGeom>
+        </p:spPr>
+        <p:txBody>
+          <a:bodyPr spcFirstLastPara="1" wrap="square" lIns="91425" tIns="91425" rIns="91425" bIns="91425" anchor="ctr" anchorCtr="0">
+            <a:noAutofit/>
+          </a:bodyPr>
+          <a:lstStyle/>
+          <a:p>
+            <a:pPr marL="0" lvl="0" indent="0" algn="ctr" rtl="0">
+              <a:spcBef>
+                <a:spcPts val="0"/>
+              </a:spcBef>
+              <a:spcAft>
+                <a:spcPts val="0"/>
+              </a:spcAft>
+              <a:buNone/>
+            </a:pPr>
+            <a:r>
+              <a:rPr lang="en" dirty="0"/>
+              <a:t>“main”</a:t>
+            </a:r>
+            <a:endParaRPr dirty="0"/>
+          </a:p>
+        </p:txBody>
+      </p:sp>
+      <p:sp>
+        <p:nvSpPr>
+          <p:cNvPr id="6" name="Pfeil: nach rechts 5">
+            <a:extLst>
+              <a:ext uri="{FF2B5EF4-FFF2-40B4-BE49-F238E27FC236}">
+                <a16:creationId xmlns:a16="http://schemas.microsoft.com/office/drawing/2014/main" id="{F9D6954E-8035-168B-4187-5722039BB0E1}"/>
+              </a:ext>
+            </a:extLst>
+          </p:cNvPr>
+          <p:cNvSpPr/>
+          <p:nvPr/>
+        </p:nvSpPr>
+        <p:spPr>
+          <a:xfrm flipH="1">
+            <a:off x="9245600" y="1993574"/>
+            <a:ext cx="4229100" cy="1333826"/>
+          </a:xfrm>
+          <a:prstGeom prst="rightArrow">
+            <a:avLst/>
+          </a:prstGeom>
+        </p:spPr>
+        <p:style>
+          <a:lnRef idx="2">
+            <a:schemeClr val="accent1">
+              <a:shade val="50000"/>
+            </a:schemeClr>
+          </a:lnRef>
+          <a:fillRef idx="1">
+            <a:schemeClr val="accent1"/>
+          </a:fillRef>
+          <a:effectRef idx="0">
+            <a:schemeClr val="accent1"/>
+          </a:effectRef>
+          <a:fontRef idx="minor">
+            <a:schemeClr val="lt1"/>
+          </a:fontRef>
+        </p:style>
+        <p:txBody>
+          <a:bodyPr rtlCol="0" anchor="ctr"/>
+          <a:lstStyle/>
+          <a:p>
+            <a:pPr algn="ctr"/>
+            <a:r>
+              <a:rPr lang="de-DE" dirty="0">
+                <a:solidFill>
+                  <a:schemeClr val="tx1"/>
+                </a:solidFill>
+              </a:rPr>
+              <a:t>Aufrufe von Funktion vor der Dauerschleife</a:t>
+            </a:r>
+          </a:p>
+          <a:p>
+            <a:pPr algn="ctr"/>
+            <a:r>
+              <a:rPr lang="de-DE" dirty="0">
+                <a:solidFill>
+                  <a:schemeClr val="tx1"/>
+                </a:solidFill>
+              </a:rPr>
+              <a:t>Aufforderung zum ändern der Grenzen</a:t>
+            </a:r>
+          </a:p>
+        </p:txBody>
+      </p:sp>
+    </p:spTree>
+    <p:extLst>
+      <p:ext uri="{BB962C8B-B14F-4D97-AF65-F5344CB8AC3E}">
+        <p14:creationId xmlns:p14="http://schemas.microsoft.com/office/powerpoint/2010/main" val="3943719450"/>
+      </p:ext>
+    </p:extLst>
+  </p:cSld>
+  <p:clrMapOvr>
+    <a:masterClrMapping/>
+  </p:clrMapOvr>
+  <p:timing>
+    <p:tnLst>
+      <p:par>
+        <p:cTn id="1" dur="indefinite" restart="never" nodeType="tmRoot">
+          <p:childTnLst>
+            <p:seq concurrent="1" nextAc="seek">
+              <p:cTn id="2" dur="indefinite" nodeType="mainSeq">
+                <p:childTnLst>
+                  <p:par>
+                    <p:cTn id="3" fill="hold">
+                      <p:stCondLst>
+                        <p:cond delay="indefinite"/>
+                        <p:cond evt="onBegin" delay="0">
+                          <p:tn val="2"/>
+                        </p:cond>
+                      </p:stCondLst>
+                      <p:childTnLst>
+                        <p:par>
+                          <p:cTn id="4" fill="hold">
+                            <p:stCondLst>
+                              <p:cond delay="0"/>
+                            </p:stCondLst>
+                            <p:childTnLst>
+                              <p:par>
+                                <p:cTn id="5" presetID="63" presetClass="path" presetSubtype="0" accel="50000" decel="50000" fill="hold" nodeType="withEffect">
+                                  <p:stCondLst>
+                                    <p:cond delay="0"/>
+                                  </p:stCondLst>
+                                  <p:childTnLst>
+                                    <p:animMotion origin="layout" path="M -2.77778E-7 0 L 1.01441 0 " pathEditMode="relative" rAng="0" ptsTypes="AA">
+                                      <p:cBhvr>
+                                        <p:cTn id="6" dur="2000" fill="hold"/>
+                                        <p:tgtEl>
+                                          <p:spTgt spid="5"/>
+                                        </p:tgtEl>
+                                        <p:attrNameLst>
+                                          <p:attrName>ppt_x</p:attrName>
+                                          <p:attrName>ppt_y</p:attrName>
+                                        </p:attrNameLst>
+                                      </p:cBhvr>
+                                      <p:rCtr x="50729" y="0"/>
+                                    </p:animMotion>
+                                  </p:childTnLst>
+                                </p:cTn>
+                              </p:par>
+                              <p:par>
+                                <p:cTn id="7" presetID="35" presetClass="path" presetSubtype="0" accel="50000" decel="50000" fill="hold" grpId="0" nodeType="withEffect">
+                                  <p:stCondLst>
+                                    <p:cond delay="0"/>
+                                  </p:stCondLst>
+                                  <p:childTnLst>
+                                    <p:animMotion origin="layout" path="M -1.11111E-6 -3.95062E-6 L -0.50486 0.00618 " pathEditMode="relative" rAng="0" ptsTypes="AA">
+                                      <p:cBhvr>
+                                        <p:cTn id="8" dur="2000" fill="hold"/>
+                                        <p:tgtEl>
+                                          <p:spTgt spid="6"/>
+                                        </p:tgtEl>
+                                        <p:attrNameLst>
+                                          <p:attrName>ppt_x</p:attrName>
+                                          <p:attrName>ppt_y</p:attrName>
+                                        </p:attrNameLst>
+                                      </p:cBhvr>
+                                      <p:rCtr x="-25243" y="309"/>
+                                    </p:animMotion>
+                                  </p:childTnLst>
+                                </p:cTn>
+                              </p:par>
+                            </p:childTnLst>
+                          </p:cTn>
+                        </p:par>
+                      </p:childTnLst>
+                    </p:cTn>
+                  </p:par>
+                </p:childTnLst>
+              </p:cTn>
+              <p:prevCondLst>
+                <p:cond evt="onPrev" delay="0">
+                  <p:tgtEl>
+                    <p:sldTgt/>
+                  </p:tgtEl>
+                </p:cond>
+              </p:prevCondLst>
+              <p:nextCondLst>
+                <p:cond evt="onNext" delay="0">
+                  <p:tgtEl>
+                    <p:sldTgt/>
+                  </p:tgtEl>
+                </p:cond>
+              </p:nextCondLst>
+            </p:seq>
+          </p:childTnLst>
+        </p:cTn>
+      </p:par>
+    </p:tnLst>
+    <p:bldLst>
+      <p:bldP spid="6" grpId="0" animBg="1"/>
+    </p:bldLst>
+  </p:timing>
+</p:sld>
+</file>
+
+<file path=ppt/slides/slide15.xml><?xml version="1.0" encoding="utf-8"?>
+<p:sld xmlns:a="http://schemas.openxmlformats.org/drawingml/2006/main" xmlns:r="http://schemas.openxmlformats.org/officeDocument/2006/relationships" xmlns:p="http://schemas.openxmlformats.org/presentationml/2006/main">
+  <p:cSld>
+    <p:spTree>
+      <p:nvGrpSpPr>
+        <p:cNvPr id="1" name="Shape 2719"/>
+        <p:cNvGrpSpPr/>
+        <p:nvPr/>
+      </p:nvGrpSpPr>
+      <p:grpSpPr>
+        <a:xfrm>
+          <a:off x="0" y="0"/>
+          <a:ext cx="0" cy="0"/>
+          <a:chOff x="0" y="0"/>
+          <a:chExt cx="0" cy="0"/>
+        </a:xfrm>
+      </p:grpSpPr>
+      <p:sp>
+        <p:nvSpPr>
+          <p:cNvPr id="2721" name="Google Shape;2721;p46"/>
+          <p:cNvSpPr txBox="1">
+            <a:spLocks noGrp="1"/>
+          </p:cNvSpPr>
+          <p:nvPr>
+            <p:ph type="body" idx="1"/>
+          </p:nvPr>
+        </p:nvSpPr>
+        <p:spPr>
+          <a:xfrm>
+            <a:off x="2541150" y="2050375"/>
+            <a:ext cx="4061700" cy="1968600"/>
+          </a:xfrm>
+          <a:prstGeom prst="rect">
+            <a:avLst/>
+          </a:prstGeom>
+        </p:spPr>
+        <p:txBody>
+          <a:bodyPr spcFirstLastPara="1" wrap="square" lIns="91425" tIns="91425" rIns="91425" bIns="91425" anchor="t" anchorCtr="0">
+            <a:noAutofit/>
+          </a:bodyPr>
+          <a:lstStyle/>
+          <a:p>
+            <a:pPr marL="0" lvl="0" indent="0" algn="l" rtl="0">
+              <a:lnSpc>
+                <a:spcPct val="100000"/>
+              </a:lnSpc>
+              <a:spcBef>
+                <a:spcPts val="0"/>
+              </a:spcBef>
+              <a:spcAft>
+                <a:spcPts val="0"/>
+              </a:spcAft>
+              <a:buClr>
+                <a:schemeClr val="hlink"/>
+              </a:buClr>
+              <a:buSzPts val="1100"/>
+              <a:buFont typeface="Arial"/>
+              <a:buNone/>
+            </a:pPr>
+            <a:endParaRPr dirty="0"/>
+          </a:p>
+        </p:txBody>
+      </p:sp>
+      <p:sp>
+        <p:nvSpPr>
+          <p:cNvPr id="4" name="Textplatzhalter 3">
+            <a:extLst>
+              <a:ext uri="{FF2B5EF4-FFF2-40B4-BE49-F238E27FC236}">
+                <a16:creationId xmlns:a16="http://schemas.microsoft.com/office/drawing/2014/main" id="{3C26798E-0DB7-6BB4-1C3A-4D59FC77891A}"/>
+              </a:ext>
+            </a:extLst>
+          </p:cNvPr>
+          <p:cNvSpPr>
+            <a:spLocks noGrp="1"/>
+          </p:cNvSpPr>
+          <p:nvPr>
+            <p:ph type="body" idx="1"/>
+          </p:nvPr>
+        </p:nvSpPr>
+        <p:spPr/>
+        <p:txBody>
+          <a:bodyPr/>
+          <a:lstStyle/>
+          <a:p>
+            <a:endParaRPr lang="de-DE" dirty="0"/>
+          </a:p>
+        </p:txBody>
+      </p:sp>
+      <p:sp>
+        <p:nvSpPr>
+          <p:cNvPr id="2720" name="Google Shape;2720;p46"/>
+          <p:cNvSpPr txBox="1">
+            <a:spLocks noGrp="1"/>
+          </p:cNvSpPr>
+          <p:nvPr>
+            <p:ph type="title"/>
+          </p:nvPr>
+        </p:nvSpPr>
+        <p:spPr>
+          <a:xfrm>
+            <a:off x="1690050" y="438850"/>
+            <a:ext cx="5763900" cy="513650"/>
+          </a:xfrm>
+          <a:prstGeom prst="rect">
+            <a:avLst/>
+          </a:prstGeom>
+        </p:spPr>
+        <p:txBody>
+          <a:bodyPr spcFirstLastPara="1" wrap="square" lIns="91425" tIns="91425" rIns="91425" bIns="91425" anchor="ctr" anchorCtr="0">
+            <a:noAutofit/>
+          </a:bodyPr>
+          <a:lstStyle/>
+          <a:p>
+            <a:pPr marL="0" lvl="0" indent="0" algn="ctr" rtl="0">
+              <a:spcBef>
+                <a:spcPts val="0"/>
+              </a:spcBef>
+              <a:spcAft>
+                <a:spcPts val="0"/>
+              </a:spcAft>
+              <a:buNone/>
+            </a:pPr>
+            <a:r>
+              <a:rPr lang="en" dirty="0"/>
+              <a:t>“main”</a:t>
+            </a:r>
+            <a:endParaRPr dirty="0"/>
+          </a:p>
+        </p:txBody>
+      </p:sp>
+      <p:pic>
+        <p:nvPicPr>
+          <p:cNvPr id="8" name="Grafik 7">
+            <a:extLst>
+              <a:ext uri="{FF2B5EF4-FFF2-40B4-BE49-F238E27FC236}">
+                <a16:creationId xmlns:a16="http://schemas.microsoft.com/office/drawing/2014/main" id="{772E113D-8AB9-4C0F-7EA4-B97CEE9E0DDB}"/>
+              </a:ext>
+            </a:extLst>
+          </p:cNvPr>
+          <p:cNvPicPr>
+            <a:picLocks noChangeAspect="1"/>
+          </p:cNvPicPr>
+          <p:nvPr/>
+        </p:nvPicPr>
+        <p:blipFill rotWithShape="1">
+          <a:blip r:embed="rId3"/>
+          <a:srcRect l="8413" t="18046" r="8571" b="18046"/>
+          <a:stretch/>
+        </p:blipFill>
+        <p:spPr>
+          <a:xfrm>
+            <a:off x="-5681436" y="1494027"/>
+            <a:ext cx="5652861" cy="2155445"/>
+          </a:xfrm>
+          <a:prstGeom prst="rect">
+            <a:avLst/>
+          </a:prstGeom>
+        </p:spPr>
+      </p:pic>
+      <p:sp>
+        <p:nvSpPr>
+          <p:cNvPr id="9" name="Pfeil: nach rechts 8">
+            <a:extLst>
+              <a:ext uri="{FF2B5EF4-FFF2-40B4-BE49-F238E27FC236}">
+                <a16:creationId xmlns:a16="http://schemas.microsoft.com/office/drawing/2014/main" id="{F1A914CF-8A26-8954-86FF-71C0ADD76681}"/>
+              </a:ext>
+            </a:extLst>
+          </p:cNvPr>
+          <p:cNvSpPr/>
+          <p:nvPr/>
+        </p:nvSpPr>
+        <p:spPr>
+          <a:xfrm flipH="1">
+            <a:off x="9198186" y="1924050"/>
+            <a:ext cx="1984164" cy="771524"/>
+          </a:xfrm>
+          <a:prstGeom prst="rightArrow">
+            <a:avLst/>
+          </a:prstGeom>
+        </p:spPr>
+        <p:style>
+          <a:lnRef idx="2">
+            <a:schemeClr val="accent1">
+              <a:shade val="50000"/>
+            </a:schemeClr>
+          </a:lnRef>
+          <a:fillRef idx="1">
+            <a:schemeClr val="accent1"/>
+          </a:fillRef>
+          <a:effectRef idx="0">
+            <a:schemeClr val="accent1"/>
+          </a:effectRef>
+          <a:fontRef idx="minor">
+            <a:schemeClr val="lt1"/>
+          </a:fontRef>
+        </p:style>
+        <p:txBody>
+          <a:bodyPr rtlCol="0" anchor="ctr"/>
+          <a:lstStyle/>
+          <a:p>
+            <a:pPr algn="ctr"/>
+            <a:r>
+              <a:rPr lang="de-DE" dirty="0">
+                <a:solidFill>
+                  <a:schemeClr val="tx1"/>
+                </a:solidFill>
+              </a:rPr>
+              <a:t>Aufrufe in der Dauerschleife</a:t>
+            </a:r>
+          </a:p>
+        </p:txBody>
+      </p:sp>
     </p:spTree>
     <p:extLst>
       <p:ext uri="{BB962C8B-B14F-4D97-AF65-F5344CB8AC3E}">
@@ -53635,10 +54658,123 @@
   <p:clrMapOvr>
     <a:masterClrMapping/>
   </p:clrMapOvr>
+  <p:timing>
+    <p:tnLst>
+      <p:par>
+        <p:cTn id="1" dur="indefinite" restart="never" nodeType="tmRoot">
+          <p:childTnLst>
+            <p:seq concurrent="1" nextAc="seek">
+              <p:cTn id="2" dur="indefinite" nodeType="mainSeq">
+                <p:childTnLst>
+                  <p:par>
+                    <p:cTn id="3" fill="hold">
+                      <p:stCondLst>
+                        <p:cond delay="indefinite"/>
+                      </p:stCondLst>
+                      <p:childTnLst>
+                        <p:par>
+                          <p:cTn id="4" fill="hold">
+                            <p:stCondLst>
+                              <p:cond delay="0"/>
+                            </p:stCondLst>
+                            <p:childTnLst>
+                              <p:par>
+                                <p:cTn id="5" presetID="63" presetClass="path" presetSubtype="0" accel="50000" decel="50000" fill="hold" nodeType="clickEffect">
+                                  <p:stCondLst>
+                                    <p:cond delay="0"/>
+                                  </p:stCondLst>
+                                  <p:childTnLst>
+                                    <p:animMotion origin="layout" path="M 2.77778E-6 0 L 0.6684 0 " pathEditMode="relative" rAng="0" ptsTypes="AA">
+                                      <p:cBhvr>
+                                        <p:cTn id="6" dur="2000" fill="hold"/>
+                                        <p:tgtEl>
+                                          <p:spTgt spid="8"/>
+                                        </p:tgtEl>
+                                        <p:attrNameLst>
+                                          <p:attrName>ppt_x</p:attrName>
+                                          <p:attrName>ppt_y</p:attrName>
+                                        </p:attrNameLst>
+                                      </p:cBhvr>
+                                      <p:rCtr x="33420" y="0"/>
+                                    </p:animMotion>
+                                  </p:childTnLst>
+                                </p:cTn>
+                              </p:par>
+                            </p:childTnLst>
+                          </p:cTn>
+                        </p:par>
+                      </p:childTnLst>
+                    </p:cTn>
+                  </p:par>
+                  <p:par>
+                    <p:cTn id="7" fill="hold">
+                      <p:stCondLst>
+                        <p:cond delay="indefinite"/>
+                      </p:stCondLst>
+                      <p:childTnLst>
+                        <p:par>
+                          <p:cTn id="8" fill="hold">
+                            <p:stCondLst>
+                              <p:cond delay="0"/>
+                            </p:stCondLst>
+                            <p:childTnLst>
+                              <p:par>
+                                <p:cTn id="9" presetID="35" presetClass="path" presetSubtype="0" accel="50000" decel="50000" fill="hold" grpId="0" nodeType="clickEffect">
+                                  <p:stCondLst>
+                                    <p:cond delay="0"/>
+                                  </p:stCondLst>
+                                  <p:childTnLst>
+                                    <p:animMotion origin="layout" path="M 2.77778E-7 -4.07407E-6 L -0.3467 -0.00648 " pathEditMode="relative" rAng="0" ptsTypes="AA">
+                                      <p:cBhvr>
+                                        <p:cTn id="10" dur="2000" fill="hold"/>
+                                        <p:tgtEl>
+                                          <p:spTgt spid="9"/>
+                                        </p:tgtEl>
+                                        <p:attrNameLst>
+                                          <p:attrName>ppt_x</p:attrName>
+                                          <p:attrName>ppt_y</p:attrName>
+                                        </p:attrNameLst>
+                                      </p:cBhvr>
+                                      <p:rCtr x="-17344" y="-340"/>
+                                    </p:animMotion>
+                                  </p:childTnLst>
+                                </p:cTn>
+                              </p:par>
+                            </p:childTnLst>
+                          </p:cTn>
+                        </p:par>
+                      </p:childTnLst>
+                    </p:cTn>
+                  </p:par>
+                </p:childTnLst>
+              </p:cTn>
+              <p:prevCondLst>
+                <p:cond evt="onPrev" delay="0">
+                  <p:tgtEl>
+                    <p:sldTgt/>
+                  </p:tgtEl>
+                </p:cond>
+              </p:prevCondLst>
+              <p:nextCondLst>
+                <p:cond evt="onNext" delay="0">
+                  <p:tgtEl>
+                    <p:sldTgt/>
+                  </p:tgtEl>
+                </p:cond>
+              </p:nextCondLst>
+            </p:seq>
+          </p:childTnLst>
+        </p:cTn>
+      </p:par>
+    </p:tnLst>
+    <p:bldLst>
+      <p:bldP spid="9" grpId="0" animBg="1"/>
+    </p:bldLst>
+  </p:timing>
 </p:sld>
 </file>
 
-<file path=ppt/slides/slide15.xml><?xml version="1.0" encoding="utf-8"?>
+<file path=ppt/slides/slide16.xml><?xml version="1.0" encoding="utf-8"?>
 <p:sld xmlns:a="http://schemas.openxmlformats.org/drawingml/2006/main" xmlns:r="http://schemas.openxmlformats.org/officeDocument/2006/relationships" xmlns:p="http://schemas.openxmlformats.org/presentationml/2006/main">
   <p:cSld>
     <p:spTree>
@@ -53710,7 +54846,7 @@
 </p:sld>
 </file>
 
-<file path=ppt/slides/slide16.xml><?xml version="1.0" encoding="utf-8"?>
+<file path=ppt/slides/slide17.xml><?xml version="1.0" encoding="utf-8"?>
 <p:sld xmlns:a="http://schemas.openxmlformats.org/drawingml/2006/main" xmlns:r="http://schemas.openxmlformats.org/officeDocument/2006/relationships" xmlns:p="http://schemas.openxmlformats.org/presentationml/2006/main">
   <p:cSld>
     <p:spTree>
@@ -53820,7 +54956,7 @@
                   <a:schemeClr val="bg1"/>
                 </a:solidFill>
               </a:rPr>
-              <a:t>Strukturierung von c-Code</a:t>
+              <a:t>Strukturierung von C-Code</a:t>
             </a:r>
           </a:p>
           <a:p>
@@ -53849,13 +54985,18 @@
               <a:buChar char="•"/>
             </a:pPr>
             <a:r>
-              <a:rPr lang="de-DE" dirty="0">
+              <a:rPr lang="de-DE" dirty="0" err="1">
                 <a:solidFill>
                   <a:schemeClr val="bg1"/>
                 </a:solidFill>
               </a:rPr>
-              <a:t>Skop</a:t>
+              <a:t>Skope</a:t>
             </a:r>
+            <a:endParaRPr lang="de-DE" dirty="0">
+              <a:solidFill>
+                <a:schemeClr val="bg1"/>
+              </a:solidFill>
+            </a:endParaRPr>
           </a:p>
           <a:p>
             <a:pPr marL="285750" indent="-285750">
@@ -53911,7 +55052,7 @@
 </p:sld>
 </file>
 
-<file path=ppt/slides/slide17.xml><?xml version="1.0" encoding="utf-8"?>
+<file path=ppt/slides/slide18.xml><?xml version="1.0" encoding="utf-8"?>
 <p:sld xmlns:a="http://schemas.openxmlformats.org/drawingml/2006/main" xmlns:r="http://schemas.openxmlformats.org/officeDocument/2006/relationships" xmlns:p="http://schemas.openxmlformats.org/presentationml/2006/main">
   <p:cSld>
     <p:spTree>
@@ -53970,6 +55111,219 @@
           </a:p>
         </p:txBody>
       </p:sp>
+      <p:sp>
+        <p:nvSpPr>
+          <p:cNvPr id="4" name="Textfeld 3">
+            <a:extLst>
+              <a:ext uri="{FF2B5EF4-FFF2-40B4-BE49-F238E27FC236}">
+                <a16:creationId xmlns:a16="http://schemas.microsoft.com/office/drawing/2014/main" id="{D5BB8697-A88A-3747-C55C-E7A9E0DBFABC}"/>
+              </a:ext>
+            </a:extLst>
+          </p:cNvPr>
+          <p:cNvSpPr txBox="1"/>
+          <p:nvPr/>
+        </p:nvSpPr>
+        <p:spPr>
+          <a:xfrm>
+            <a:off x="571500" y="1438275"/>
+            <a:ext cx="8029575" cy="2246769"/>
+          </a:xfrm>
+          <a:prstGeom prst="rect">
+            <a:avLst/>
+          </a:prstGeom>
+          <a:noFill/>
+        </p:spPr>
+        <p:txBody>
+          <a:bodyPr wrap="square" rtlCol="0">
+            <a:spAutoFit/>
+          </a:bodyPr>
+          <a:lstStyle/>
+          <a:p>
+            <a:r>
+              <a:rPr lang="de-DE" dirty="0">
+                <a:solidFill>
+                  <a:schemeClr val="bg1"/>
+                </a:solidFill>
+              </a:rPr>
+              <a:t>Abbildung1:</a:t>
+            </a:r>
+          </a:p>
+          <a:p>
+            <a:r>
+              <a:rPr lang="de-DE" dirty="0">
+                <a:solidFill>
+                  <a:schemeClr val="bg1"/>
+                </a:solidFill>
+              </a:rPr>
+              <a:t>	</a:t>
+            </a:r>
+            <a:r>
+              <a:rPr lang="de-DE" dirty="0">
+                <a:solidFill>
+                  <a:schemeClr val="bg1"/>
+                </a:solidFill>
+                <a:sym typeface="Wingdings" panose="05000000000000000000" pitchFamily="2" charset="2"/>
+              </a:rPr>
+              <a:t> </a:t>
+            </a:r>
+            <a:r>
+              <a:rPr lang="de-DE" dirty="0">
+                <a:solidFill>
+                  <a:schemeClr val="bg1"/>
+                </a:solidFill>
+                <a:sym typeface="Wingdings" panose="05000000000000000000" pitchFamily="2" charset="2"/>
+                <a:hlinkClick r:id="rId3"/>
+              </a:rPr>
+              <a:t>https://www.mz-mittelbaden.de/explore-and-learn/</a:t>
+            </a:r>
+            <a:endParaRPr lang="de-DE" dirty="0">
+              <a:solidFill>
+                <a:schemeClr val="bg1"/>
+              </a:solidFill>
+              <a:sym typeface="Wingdings" panose="05000000000000000000" pitchFamily="2" charset="2"/>
+            </a:endParaRPr>
+          </a:p>
+          <a:p>
+            <a:r>
+              <a:rPr lang="de-DE" dirty="0">
+                <a:solidFill>
+                  <a:schemeClr val="bg1"/>
+                </a:solidFill>
+                <a:sym typeface="Wingdings" panose="05000000000000000000" pitchFamily="2" charset="2"/>
+              </a:rPr>
+              <a:t>Abbildung 2:</a:t>
+            </a:r>
+          </a:p>
+          <a:p>
+            <a:r>
+              <a:rPr lang="de-DE" dirty="0">
+                <a:solidFill>
+                  <a:schemeClr val="bg1"/>
+                </a:solidFill>
+                <a:sym typeface="Wingdings" panose="05000000000000000000" pitchFamily="2" charset="2"/>
+              </a:rPr>
+              <a:t>	 </a:t>
+            </a:r>
+            <a:r>
+              <a:rPr lang="de-DE" dirty="0">
+                <a:solidFill>
+                  <a:schemeClr val="bg1"/>
+                </a:solidFill>
+                <a:sym typeface="Wingdings" panose="05000000000000000000" pitchFamily="2" charset="2"/>
+                <a:hlinkClick r:id="rId4"/>
+              </a:rPr>
+              <a:t>https://raspberrypi.stackexchange.com/questions/98269/is-there-a-way-to-</a:t>
+            </a:r>
+            <a:r>
+              <a:rPr lang="de-DE" dirty="0">
+                <a:solidFill>
+                  <a:schemeClr val="bg1"/>
+                </a:solidFill>
+                <a:sym typeface="Wingdings" panose="05000000000000000000" pitchFamily="2" charset="2"/>
+              </a:rPr>
+              <a:t>		     connect-a-dht22-humidity-sensor-to-a-usb-port</a:t>
+            </a:r>
+          </a:p>
+          <a:p>
+            <a:r>
+              <a:rPr lang="de-DE" dirty="0">
+                <a:solidFill>
+                  <a:schemeClr val="bg1"/>
+                </a:solidFill>
+                <a:sym typeface="Wingdings" panose="05000000000000000000" pitchFamily="2" charset="2"/>
+              </a:rPr>
+              <a:t>Abbildung 3:</a:t>
+            </a:r>
+          </a:p>
+          <a:p>
+            <a:r>
+              <a:rPr lang="de-DE" dirty="0">
+                <a:solidFill>
+                  <a:schemeClr val="bg1"/>
+                </a:solidFill>
+                <a:sym typeface="Wingdings" panose="05000000000000000000" pitchFamily="2" charset="2"/>
+              </a:rPr>
+              <a:t>	 </a:t>
+            </a:r>
+            <a:r>
+              <a:rPr lang="de-DE" dirty="0">
+                <a:solidFill>
+                  <a:schemeClr val="bg1"/>
+                </a:solidFill>
+                <a:sym typeface="Wingdings" panose="05000000000000000000" pitchFamily="2" charset="2"/>
+                <a:hlinkClick r:id="rId5"/>
+              </a:rPr>
+              <a:t>https://indibit.de/raspberry-pi-oled-display-128x64-mit-python-ansteuern-i2c/</a:t>
+            </a:r>
+            <a:endParaRPr lang="de-DE" dirty="0">
+              <a:solidFill>
+                <a:schemeClr val="bg1"/>
+              </a:solidFill>
+              <a:sym typeface="Wingdings" panose="05000000000000000000" pitchFamily="2" charset="2"/>
+            </a:endParaRPr>
+          </a:p>
+          <a:p>
+            <a:endParaRPr lang="de-DE" dirty="0">
+              <a:solidFill>
+                <a:schemeClr val="bg1"/>
+              </a:solidFill>
+              <a:sym typeface="Wingdings" panose="05000000000000000000" pitchFamily="2" charset="2"/>
+            </a:endParaRPr>
+          </a:p>
+          <a:p>
+            <a:r>
+              <a:rPr lang="de-DE" dirty="0">
+                <a:solidFill>
+                  <a:schemeClr val="bg1"/>
+                </a:solidFill>
+                <a:sym typeface="Wingdings" panose="05000000000000000000" pitchFamily="2" charset="2"/>
+              </a:rPr>
+              <a:t>Alles Code Beispiele sind aus unserem eigenem </a:t>
+            </a:r>
+            <a:r>
+              <a:rPr lang="de-DE" dirty="0" err="1">
+                <a:solidFill>
+                  <a:schemeClr val="bg1"/>
+                </a:solidFill>
+                <a:sym typeface="Wingdings" panose="05000000000000000000" pitchFamily="2" charset="2"/>
+              </a:rPr>
+              <a:t>Projket</a:t>
+            </a:r>
+            <a:r>
+              <a:rPr lang="de-DE" dirty="0">
+                <a:solidFill>
+                  <a:schemeClr val="bg1"/>
+                </a:solidFill>
+                <a:sym typeface="Wingdings" panose="05000000000000000000" pitchFamily="2" charset="2"/>
+              </a:rPr>
+              <a:t>. Diese sind mit „TODO: Screen </a:t>
+            </a:r>
+            <a:r>
+              <a:rPr lang="de-DE" dirty="0" err="1">
+                <a:solidFill>
+                  <a:schemeClr val="bg1"/>
+                </a:solidFill>
+                <a:sym typeface="Wingdings" panose="05000000000000000000" pitchFamily="2" charset="2"/>
+              </a:rPr>
+              <a:t>shot</a:t>
+            </a:r>
+            <a:r>
+              <a:rPr lang="de-DE" dirty="0">
+                <a:solidFill>
+                  <a:schemeClr val="bg1"/>
+                </a:solidFill>
+                <a:sym typeface="Wingdings" panose="05000000000000000000" pitchFamily="2" charset="2"/>
+              </a:rPr>
+              <a:t>“ im Code gekennzeichnet</a:t>
+            </a:r>
+            <a:endParaRPr lang="de-DE" dirty="0">
+              <a:solidFill>
+                <a:schemeClr val="bg1"/>
+              </a:solidFill>
+            </a:endParaRPr>
+          </a:p>
+        </p:txBody>
+      </p:sp>
     </p:spTree>
     <p:extLst>
       <p:ext uri="{BB962C8B-B14F-4D97-AF65-F5344CB8AC3E}">
@@ -53983,7 +55337,7 @@
 </p:sld>
 </file>
 
-<file path=ppt/slides/slide18.xml><?xml version="1.0" encoding="utf-8"?>
+<file path=ppt/slides/slide19.xml><?xml version="1.0" encoding="utf-8"?>
 <p:sld xmlns:a="http://schemas.openxmlformats.org/drawingml/2006/main" xmlns:r="http://schemas.openxmlformats.org/officeDocument/2006/relationships" xmlns:p="http://schemas.openxmlformats.org/presentationml/2006/main">
   <p:cSld>
     <p:bg>
@@ -54069,7 +55423,7 @@
                   <a:schemeClr val="lt2"/>
                 </a:solidFill>
               </a:rPr>
-              <a:t>attention</a:t>
+              <a:t>attention!</a:t>
             </a:r>
             <a:endParaRPr sz="7200" dirty="0">
               <a:solidFill>
@@ -54374,11 +55728,11 @@
               <a:spcAft>
                 <a:spcPts val="0"/>
               </a:spcAft>
-              <a:buSzPts val="1200"/>
+              <a:buSzPct val="70000"/>
               <a:buAutoNum type="arabicPeriod"/>
             </a:pPr>
             <a:r>
-              <a:rPr lang="de-DE" sz="1200" dirty="0"/>
+              <a:rPr lang="de-DE" sz="2500" dirty="0"/>
               <a:t>Einführung</a:t>
             </a:r>
           </a:p>
@@ -54397,7 +55751,7 @@
               <a:buAutoNum type="arabicPeriod"/>
             </a:pPr>
             <a:r>
-              <a:rPr lang="en-US" sz="1200" dirty="0"/>
+              <a:rPr lang="en-US" sz="2500" dirty="0"/>
               <a:t>Hardware</a:t>
             </a:r>
           </a:p>
@@ -54417,7 +55771,7 @@
               <a:buChar char="•"/>
             </a:pPr>
             <a:r>
-              <a:rPr lang="en-US" sz="1200" dirty="0"/>
+              <a:rPr lang="en-US" sz="2500" dirty="0"/>
               <a:t>dsPIC33</a:t>
             </a:r>
           </a:p>
@@ -54437,7 +55791,7 @@
               <a:buChar char="•"/>
             </a:pPr>
             <a:r>
-              <a:rPr lang="en-US" sz="1200" dirty="0"/>
+              <a:rPr lang="en-US" sz="2500" dirty="0"/>
               <a:t>Sensor DHT22</a:t>
             </a:r>
           </a:p>
@@ -54457,7 +55811,7 @@
               <a:buChar char="•"/>
             </a:pPr>
             <a:r>
-              <a:rPr lang="en-US" sz="1200" dirty="0"/>
+              <a:rPr lang="en-US" sz="2500" dirty="0"/>
               <a:t>OLED</a:t>
             </a:r>
           </a:p>
@@ -54474,7 +55828,7 @@
               <a:buAutoNum type="arabicPeriod"/>
             </a:pPr>
             <a:r>
-              <a:rPr lang="en-US" sz="1200" dirty="0"/>
+              <a:rPr lang="en-US" sz="2500" dirty="0"/>
               <a:t>Aufbau</a:t>
             </a:r>
           </a:p>
@@ -54491,7 +55845,7 @@
               <a:buAutoNum type="arabicPeriod"/>
             </a:pPr>
             <a:r>
-              <a:rPr lang="en-US" sz="1200" dirty="0"/>
+              <a:rPr lang="en-US" sz="2500" dirty="0"/>
               <a:t>Code</a:t>
             </a:r>
           </a:p>
@@ -54508,7 +55862,7 @@
               <a:buAutoNum type="arabicPeriod"/>
             </a:pPr>
             <a:r>
-              <a:rPr lang="en-US" sz="1200" dirty="0"/>
+              <a:rPr lang="en-US" sz="2500" dirty="0"/>
               <a:t>Tests</a:t>
             </a:r>
           </a:p>
@@ -54525,7 +55879,7 @@
               <a:buAutoNum type="arabicPeriod"/>
             </a:pPr>
             <a:r>
-              <a:rPr lang="de-DE" sz="1200" dirty="0"/>
+              <a:rPr lang="de-DE" sz="2500" dirty="0"/>
               <a:t>Erkenntnisse</a:t>
             </a:r>
           </a:p>
@@ -54542,8 +55896,73 @@
               <a:buAutoNum type="arabicPeriod"/>
             </a:pPr>
             <a:r>
-              <a:rPr lang="en-US" sz="1200" dirty="0"/>
+              <a:rPr lang="en-US" sz="2500" dirty="0"/>
               <a:t>Quelle</a:t>
+            </a:r>
+          </a:p>
+        </p:txBody>
+      </p:sp>
+      <p:pic>
+        <p:nvPicPr>
+          <p:cNvPr id="5" name="Grafik 4" descr="Ein Bild, das Text enthält.&#10;&#10;Automatisch generierte Beschreibung">
+            <a:extLst>
+              <a:ext uri="{FF2B5EF4-FFF2-40B4-BE49-F238E27FC236}">
+                <a16:creationId xmlns:a16="http://schemas.microsoft.com/office/drawing/2014/main" id="{0B4DCA6E-C1F9-4A41-5655-DCCBD462A564}"/>
+              </a:ext>
+            </a:extLst>
+          </p:cNvPr>
+          <p:cNvPicPr>
+            <a:picLocks noChangeAspect="1"/>
+          </p:cNvPicPr>
+          <p:nvPr/>
+        </p:nvPicPr>
+        <p:blipFill>
+          <a:blip r:embed="rId3"/>
+          <a:stretch>
+            <a:fillRect/>
+          </a:stretch>
+        </p:blipFill>
+        <p:spPr>
+          <a:xfrm>
+            <a:off x="3733722" y="1198924"/>
+            <a:ext cx="4832192" cy="3220675"/>
+          </a:xfrm>
+          <a:prstGeom prst="rect">
+            <a:avLst/>
+          </a:prstGeom>
+        </p:spPr>
+      </p:pic>
+      <p:sp>
+        <p:nvSpPr>
+          <p:cNvPr id="6" name="Textfeld 5">
+            <a:extLst>
+              <a:ext uri="{FF2B5EF4-FFF2-40B4-BE49-F238E27FC236}">
+                <a16:creationId xmlns:a16="http://schemas.microsoft.com/office/drawing/2014/main" id="{7A550074-728A-6274-F376-1D8B6738D735}"/>
+              </a:ext>
+            </a:extLst>
+          </p:cNvPr>
+          <p:cNvSpPr txBox="1"/>
+          <p:nvPr/>
+        </p:nvSpPr>
+        <p:spPr>
+          <a:xfrm>
+            <a:off x="3695700" y="4210050"/>
+            <a:ext cx="1276350" cy="215444"/>
+          </a:xfrm>
+          <a:prstGeom prst="rect">
+            <a:avLst/>
+          </a:prstGeom>
+          <a:noFill/>
+        </p:spPr>
+        <p:txBody>
+          <a:bodyPr wrap="square" rtlCol="0">
+            <a:spAutoFit/>
+          </a:bodyPr>
+          <a:lstStyle/>
+          <a:p>
+            <a:r>
+              <a:rPr lang="de-DE" sz="800" dirty="0"/>
+              <a:t>Abbildung 1</a:t>
             </a:r>
           </a:p>
         </p:txBody>
@@ -55079,7 +56498,7 @@
         <p:spPr>
           <a:xfrm>
             <a:off x="9450825" y="1556087"/>
-            <a:ext cx="7846384" cy="2031325"/>
+            <a:ext cx="7846384" cy="2246769"/>
           </a:xfrm>
           <a:prstGeom prst="rect">
             <a:avLst/>
@@ -55154,13 +56573,40 @@
           <a:p>
             <a:pPr lvl="2"/>
             <a:r>
+              <a:rPr lang="de-DE" dirty="0" err="1">
+                <a:solidFill>
+                  <a:schemeClr val="bg1"/>
+                </a:solidFill>
+                <a:sym typeface="Wingdings" panose="05000000000000000000" pitchFamily="2" charset="2"/>
+              </a:rPr>
+              <a:t>Luf</a:t>
+            </a:r>
+            <a:endParaRPr lang="de-DE" dirty="0">
+              <a:solidFill>
+                <a:schemeClr val="bg1"/>
+              </a:solidFill>
+              <a:sym typeface="Wingdings" panose="05000000000000000000" pitchFamily="2" charset="2"/>
+            </a:endParaRPr>
+          </a:p>
+          <a:p>
+            <a:pPr lvl="2"/>
+            <a:r>
+              <a:rPr lang="de-DE" dirty="0" err="1">
+                <a:solidFill>
+                  <a:schemeClr val="bg1"/>
+                </a:solidFill>
+                <a:sym typeface="Wingdings" panose="05000000000000000000" pitchFamily="2" charset="2"/>
+              </a:rPr>
+              <a:t>tfeuchtigkeit</a:t>
+            </a:r>
+            <a:r>
               <a:rPr lang="de-DE" dirty="0">
                 <a:solidFill>
                   <a:schemeClr val="bg1"/>
                 </a:solidFill>
                 <a:sym typeface="Wingdings" panose="05000000000000000000" pitchFamily="2" charset="2"/>
               </a:rPr>
-              <a:t>Luftfeuchtigkeit  2-5%</a:t>
+              <a:t>  2-5%</a:t>
             </a:r>
           </a:p>
           <a:p>
@@ -55276,6 +56722,41 @@
           </a:prstGeom>
         </p:spPr>
       </p:pic>
+      <p:sp>
+        <p:nvSpPr>
+          <p:cNvPr id="4" name="Textfeld 3">
+            <a:extLst>
+              <a:ext uri="{FF2B5EF4-FFF2-40B4-BE49-F238E27FC236}">
+                <a16:creationId xmlns:a16="http://schemas.microsoft.com/office/drawing/2014/main" id="{E33874AB-44D8-FF59-E3B8-824FBF2AF256}"/>
+              </a:ext>
+            </a:extLst>
+          </p:cNvPr>
+          <p:cNvSpPr txBox="1"/>
+          <p:nvPr/>
+        </p:nvSpPr>
+        <p:spPr>
+          <a:xfrm>
+            <a:off x="4057650" y="4210050"/>
+            <a:ext cx="1276350" cy="215444"/>
+          </a:xfrm>
+          <a:prstGeom prst="rect">
+            <a:avLst/>
+          </a:prstGeom>
+          <a:noFill/>
+        </p:spPr>
+        <p:txBody>
+          <a:bodyPr wrap="square" rtlCol="0">
+            <a:spAutoFit/>
+          </a:bodyPr>
+          <a:lstStyle/>
+          <a:p>
+            <a:r>
+              <a:rPr lang="de-DE" sz="800" dirty="0"/>
+              <a:t>Abbildung 2</a:t>
+            </a:r>
+          </a:p>
+        </p:txBody>
+      </p:sp>
     </p:spTree>
     <p:extLst>
       <p:ext uri="{BB962C8B-B14F-4D97-AF65-F5344CB8AC3E}">
@@ -55298,6 +56779,9 @@
                     <p:cTn id="3" fill="hold">
                       <p:stCondLst>
                         <p:cond delay="indefinite"/>
+                        <p:cond evt="onBegin" delay="0">
+                          <p:tn val="2"/>
+                        </p:cond>
                       </p:stCondLst>
                       <p:childTnLst>
                         <p:par>
@@ -55307,12 +56791,12 @@
                             </p:stCondLst>
                             <p:childTnLst>
                               <p:par>
-                                <p:cTn id="5" presetID="35" presetClass="path" presetSubtype="0" accel="50000" decel="50000" fill="hold" grpId="0" nodeType="clickEffect">
+                                <p:cTn id="5" presetID="35" presetClass="path" presetSubtype="0" accel="50000" decel="50000" fill="hold" grpId="0" nodeType="withEffect">
                                   <p:stCondLst>
-                                    <p:cond delay="0"/>
+                                    <p:cond delay="500"/>
                                   </p:stCondLst>
                                   <p:childTnLst>
-                                    <p:animMotion origin="layout" path="M 3.33333E-6 -4.07407E-6 L -0.94583 -0.02222 " pathEditMode="relative" rAng="0" ptsTypes="AA">
+                                    <p:animMotion origin="layout" path="M -2.22045E-16 9.87654E-7 L -0.94583 -0.02222 " pathEditMode="relative" rAng="0" ptsTypes="AA">
                                       <p:cBhvr>
                                         <p:cTn id="6" dur="2000" fill="hold"/>
                                         <p:tgtEl>
@@ -55323,7 +56807,7 @@
                                           <p:attrName>ppt_y</p:attrName>
                                         </p:attrNameLst>
                                       </p:cBhvr>
-                                      <p:rCtr x="-46875" y="185"/>
+                                      <p:rCtr x="-47292" y="-1111"/>
                                     </p:animMotion>
                                   </p:childTnLst>
                                 </p:cTn>
@@ -55706,7 +57190,7 @@
         </p:nvSpPr>
         <p:spPr>
           <a:xfrm>
-            <a:off x="790462" y="2718041"/>
+            <a:off x="-3946638" y="2718041"/>
             <a:ext cx="3682418" cy="954107"/>
           </a:xfrm>
           <a:prstGeom prst="rect">
@@ -55798,6 +57282,41 @@
           </a:p>
         </p:txBody>
       </p:sp>
+      <p:sp>
+        <p:nvSpPr>
+          <p:cNvPr id="2" name="Textfeld 1">
+            <a:extLst>
+              <a:ext uri="{FF2B5EF4-FFF2-40B4-BE49-F238E27FC236}">
+                <a16:creationId xmlns:a16="http://schemas.microsoft.com/office/drawing/2014/main" id="{DD86A40C-8D0F-EFA0-701E-7A8DFAF024AC}"/>
+              </a:ext>
+            </a:extLst>
+          </p:cNvPr>
+          <p:cNvSpPr txBox="1"/>
+          <p:nvPr/>
+        </p:nvSpPr>
+        <p:spPr>
+          <a:xfrm>
+            <a:off x="4457700" y="4591050"/>
+            <a:ext cx="1276350" cy="215444"/>
+          </a:xfrm>
+          <a:prstGeom prst="rect">
+            <a:avLst/>
+          </a:prstGeom>
+          <a:noFill/>
+        </p:spPr>
+        <p:txBody>
+          <a:bodyPr wrap="square" rtlCol="0">
+            <a:spAutoFit/>
+          </a:bodyPr>
+          <a:lstStyle/>
+          <a:p>
+            <a:r>
+              <a:rPr lang="de-DE" sz="800" dirty="0"/>
+              <a:t>Abbildung 2</a:t>
+            </a:r>
+          </a:p>
+        </p:txBody>
+      </p:sp>
     </p:spTree>
     <p:extLst>
       <p:ext uri="{BB962C8B-B14F-4D97-AF65-F5344CB8AC3E}">
@@ -55820,6 +57339,9 @@
                     <p:cTn id="3" fill="hold">
                       <p:stCondLst>
                         <p:cond delay="indefinite"/>
+                        <p:cond evt="onBegin" delay="0">
+                          <p:tn val="2"/>
+                        </p:cond>
                       </p:stCondLst>
                       <p:childTnLst>
                         <p:par>
@@ -55829,14 +57351,54 @@
                             </p:stCondLst>
                             <p:childTnLst>
                               <p:par>
-                                <p:cTn id="5" presetID="35" presetClass="path" presetSubtype="0" accel="50000" decel="50000" fill="hold" grpId="0" nodeType="clickEffect">
+                                <p:cTn id="5" presetID="63" presetClass="path" presetSubtype="0" accel="50000" decel="50000" fill="hold" grpId="0" nodeType="withEffect">
+                                  <p:stCondLst>
+                                    <p:cond delay="0"/>
+                                  </p:stCondLst>
+                                  <p:childTnLst>
+                                    <p:animMotion origin="layout" path="M -1.66667E-6 2.34568E-6 L 0.50521 -0.00124 " pathEditMode="relative" rAng="0" ptsTypes="AA">
+                                      <p:cBhvr>
+                                        <p:cTn id="6" dur="2000" fill="hold"/>
+                                        <p:tgtEl>
+                                          <p:spTgt spid="16"/>
+                                        </p:tgtEl>
+                                        <p:attrNameLst>
+                                          <p:attrName>ppt_x</p:attrName>
+                                          <p:attrName>ppt_y</p:attrName>
+                                        </p:attrNameLst>
+                                      </p:cBhvr>
+                                      <p:rCtr x="25260" y="-62"/>
+                                    </p:animMotion>
+                                  </p:childTnLst>
+                                </p:cTn>
+                              </p:par>
+                            </p:childTnLst>
+                          </p:cTn>
+                        </p:par>
+                      </p:childTnLst>
+                    </p:cTn>
+                  </p:par>
+                  <p:par>
+                    <p:cTn id="7" fill="hold">
+                      <p:stCondLst>
+                        <p:cond delay="indefinite"/>
+                      </p:stCondLst>
+                      <p:childTnLst>
+                        <p:par>
+                          <p:cTn id="8" fill="hold">
+                            <p:stCondLst>
+                              <p:cond delay="0"/>
+                            </p:stCondLst>
+                            <p:childTnLst>
+                              <p:par>
+                                <p:cTn id="9" presetID="35" presetClass="path" presetSubtype="0" accel="50000" decel="50000" fill="hold" grpId="0" nodeType="clickEffect">
                                   <p:stCondLst>
                                     <p:cond delay="0"/>
                                   </p:stCondLst>
                                   <p:childTnLst>
                                     <p:animMotion origin="layout" path="M 0.0059 0.01482 L -0.78507 -3.33333E-6 " pathEditMode="relative" rAng="0" ptsTypes="AA">
                                       <p:cBhvr>
-                                        <p:cTn id="6" dur="2000" fill="hold"/>
+                                        <p:cTn id="10" dur="2000" fill="hold"/>
                                         <p:tgtEl>
                                           <p:spTgt spid="13"/>
                                         </p:tgtEl>
@@ -55851,14 +57413,14 @@
                                 </p:cTn>
                               </p:par>
                               <p:par>
-                                <p:cTn id="7" presetID="35" presetClass="path" presetSubtype="0" accel="50000" decel="50000" fill="hold" grpId="0" nodeType="withEffect">
+                                <p:cTn id="11" presetID="35" presetClass="path" presetSubtype="0" accel="50000" decel="50000" fill="hold" grpId="0" nodeType="withEffect">
                                   <p:stCondLst>
                                     <p:cond delay="0"/>
                                   </p:stCondLst>
                                   <p:childTnLst>
                                     <p:animMotion origin="layout" path="M 2.77778E-7 1.48148E-6 L -0.77691 0.00031 " pathEditMode="relative" rAng="0" ptsTypes="AA">
                                       <p:cBhvr>
-                                        <p:cTn id="8" dur="2000" fill="hold"/>
+                                        <p:cTn id="12" dur="2000" fill="hold"/>
                                         <p:tgtEl>
                                           <p:spTgt spid="9"/>
                                         </p:tgtEl>
@@ -55873,14 +57435,14 @@
                                 </p:cTn>
                               </p:par>
                               <p:par>
-                                <p:cTn id="9" presetID="35" presetClass="path" presetSubtype="0" accel="50000" decel="50000" fill="hold" grpId="0" nodeType="withEffect">
+                                <p:cTn id="13" presetID="35" presetClass="path" presetSubtype="0" accel="50000" decel="50000" fill="hold" grpId="0" nodeType="withEffect">
                                   <p:stCondLst>
                                     <p:cond delay="0"/>
                                   </p:stCondLst>
                                   <p:childTnLst>
                                     <p:animMotion origin="layout" path="M 4.72222E-6 -3.7037E-6 L -0.78212 0.00062 " pathEditMode="relative" rAng="0" ptsTypes="AA">
                                       <p:cBhvr>
-                                        <p:cTn id="10" dur="2000" fill="hold"/>
+                                        <p:cTn id="14" dur="2000" fill="hold"/>
                                         <p:tgtEl>
                                           <p:spTgt spid="14"/>
                                         </p:tgtEl>
@@ -55895,14 +57457,14 @@
                                 </p:cTn>
                               </p:par>
                               <p:par>
-                                <p:cTn id="11" presetID="35" presetClass="path" presetSubtype="0" accel="50000" decel="50000" fill="hold" grpId="0" nodeType="withEffect">
+                                <p:cTn id="15" presetID="35" presetClass="path" presetSubtype="0" accel="50000" decel="50000" fill="hold" grpId="0" nodeType="withEffect">
                                   <p:stCondLst>
                                     <p:cond delay="0"/>
                                   </p:stCondLst>
                                   <p:childTnLst>
                                     <p:animMotion origin="layout" path="M 5.55556E-7 1.97531E-6 L -0.77465 -0.00278 " pathEditMode="relative" rAng="0" ptsTypes="AA">
                                       <p:cBhvr>
-                                        <p:cTn id="12" dur="2000" fill="hold"/>
+                                        <p:cTn id="16" dur="2000" fill="hold"/>
                                         <p:tgtEl>
                                           <p:spTgt spid="15"/>
                                         </p:tgtEl>
@@ -55948,6 +57510,7 @@
       <p:bldP spid="13" grpId="0" animBg="1"/>
       <p:bldP spid="14" grpId="0" animBg="1"/>
       <p:bldP spid="15" grpId="0" animBg="1"/>
+      <p:bldP spid="16" grpId="0"/>
     </p:bldLst>
   </p:timing>
 </p:sld>
@@ -56027,7 +57590,7 @@
         <p:spPr>
           <a:xfrm>
             <a:off x="584341" y="1120654"/>
-            <a:ext cx="7846384" cy="2031325"/>
+            <a:ext cx="8340584" cy="4031873"/>
           </a:xfrm>
           <a:prstGeom prst="rect">
             <a:avLst/>
@@ -56041,7 +57604,7 @@
           <a:lstStyle/>
           <a:p>
             <a:r>
-              <a:rPr lang="de-DE" dirty="0">
+              <a:rPr lang="de-DE" sz="1600" dirty="0">
                 <a:solidFill>
                   <a:schemeClr val="bg1"/>
                 </a:solidFill>
@@ -56058,37 +57621,44 @@
               <a:buChar char="•"/>
             </a:pPr>
             <a:r>
-              <a:rPr lang="de-DE" dirty="0">
+              <a:rPr lang="de-DE" sz="1600" dirty="0">
                 <a:solidFill>
-                  <a:schemeClr val="bg1"/>
+                  <a:srgbClr val="FF0000"/>
                 </a:solidFill>
               </a:rPr>
               <a:t>„</a:t>
             </a:r>
             <a:r>
-              <a:rPr lang="de-DE" dirty="0" err="1">
+              <a:rPr lang="de-DE" sz="1600" dirty="0" err="1">
                 <a:solidFill>
-                  <a:schemeClr val="bg1"/>
+                  <a:srgbClr val="FF0000"/>
                 </a:solidFill>
               </a:rPr>
               <a:t>ampel</a:t>
             </a:r>
             <a:r>
-              <a:rPr lang="de-DE" dirty="0">
+              <a:rPr lang="de-DE" sz="1600" dirty="0">
                 <a:solidFill>
-                  <a:schemeClr val="bg1"/>
+                  <a:srgbClr val="FF0000"/>
                 </a:solidFill>
               </a:rPr>
-              <a:t>“ </a:t>
+              <a:t>“</a:t>
             </a:r>
+          </a:p>
+          <a:p>
+            <a:pPr>
+              <a:buClr>
+                <a:schemeClr val="bg1"/>
+              </a:buClr>
+            </a:pPr>
             <a:r>
-              <a:rPr lang="de-DE" dirty="0">
+              <a:rPr lang="de-DE" sz="1600" dirty="0">
                 <a:solidFill>
                   <a:schemeClr val="bg1"/>
                 </a:solidFill>
                 <a:sym typeface="Wingdings" panose="05000000000000000000" pitchFamily="2" charset="2"/>
               </a:rPr>
-              <a:t> Initialisierung aller Funktionen für die Ampelsteuerung</a:t>
+              <a:t>	 Initialisierung aller Funktionen für die Ampelsteuerung</a:t>
             </a:r>
           </a:p>
           <a:p>
@@ -56100,37 +57670,44 @@
               <a:buChar char="•"/>
             </a:pPr>
             <a:r>
-              <a:rPr lang="de-DE" dirty="0">
+              <a:rPr lang="de-DE" sz="1600" dirty="0">
                 <a:solidFill>
-                  <a:schemeClr val="bg1"/>
+                  <a:srgbClr val="FF0000"/>
                 </a:solidFill>
               </a:rPr>
               <a:t>„</a:t>
             </a:r>
             <a:r>
-              <a:rPr lang="de-DE" dirty="0" err="1">
+              <a:rPr lang="de-DE" sz="1600" dirty="0" err="1">
                 <a:solidFill>
-                  <a:schemeClr val="bg1"/>
+                  <a:srgbClr val="FF0000"/>
                 </a:solidFill>
               </a:rPr>
               <a:t>config</a:t>
             </a:r>
             <a:r>
-              <a:rPr lang="de-DE" dirty="0">
+              <a:rPr lang="de-DE" sz="1600" dirty="0">
                 <a:solidFill>
-                  <a:schemeClr val="bg1"/>
+                  <a:srgbClr val="FF0000"/>
                 </a:solidFill>
               </a:rPr>
-              <a:t>“ </a:t>
+              <a:t>“</a:t>
             </a:r>
+          </a:p>
+          <a:p>
+            <a:pPr lvl="1">
+              <a:buClr>
+                <a:schemeClr val="bg1"/>
+              </a:buClr>
+            </a:pPr>
             <a:r>
-              <a:rPr lang="de-DE" dirty="0">
+              <a:rPr lang="de-DE" sz="1600" dirty="0">
                 <a:solidFill>
                   <a:schemeClr val="bg1"/>
                 </a:solidFill>
                 <a:sym typeface="Wingdings" panose="05000000000000000000" pitchFamily="2" charset="2"/>
               </a:rPr>
-              <a:t> Konfigurationseinstellungen  (Pragma, globale „Definitionen“, PLL)</a:t>
+              <a:t>	 Konfigurationseinstellungen  (Pragma, globale „Definitionen“, PLL)</a:t>
             </a:r>
           </a:p>
           <a:p>
@@ -56142,37 +57719,44 @@
               <a:buChar char="•"/>
             </a:pPr>
             <a:r>
-              <a:rPr lang="de-DE" dirty="0">
+              <a:rPr lang="de-DE" sz="1600" dirty="0">
                 <a:solidFill>
-                  <a:schemeClr val="bg1"/>
+                  <a:srgbClr val="FF0000"/>
                 </a:solidFill>
               </a:rPr>
               <a:t>„</a:t>
             </a:r>
             <a:r>
-              <a:rPr lang="de-DE" dirty="0" err="1">
+              <a:rPr lang="de-DE" sz="1600" dirty="0" err="1">
                 <a:solidFill>
-                  <a:schemeClr val="bg1"/>
+                  <a:srgbClr val="FF0000"/>
                 </a:solidFill>
               </a:rPr>
               <a:t>dht</a:t>
             </a:r>
             <a:r>
-              <a:rPr lang="de-DE" dirty="0">
+              <a:rPr lang="de-DE" sz="1600" dirty="0">
                 <a:solidFill>
-                  <a:schemeClr val="bg1"/>
+                  <a:srgbClr val="FF0000"/>
                 </a:solidFill>
               </a:rPr>
-              <a:t>“ </a:t>
+              <a:t>“</a:t>
             </a:r>
+          </a:p>
+          <a:p>
+            <a:pPr>
+              <a:buClr>
+                <a:schemeClr val="bg1"/>
+              </a:buClr>
+            </a:pPr>
             <a:r>
-              <a:rPr lang="de-DE" dirty="0">
+              <a:rPr lang="de-DE" sz="1600" dirty="0">
                 <a:solidFill>
                   <a:schemeClr val="bg1"/>
                 </a:solidFill>
                 <a:sym typeface="Wingdings" panose="05000000000000000000" pitchFamily="2" charset="2"/>
               </a:rPr>
-              <a:t> Initialisierung aller Funktionen für den DHT22</a:t>
+              <a:t>	 Initialisierung aller Funktionen für den DHT22</a:t>
             </a:r>
           </a:p>
           <a:p>
@@ -56184,37 +57768,44 @@
               <a:buChar char="•"/>
             </a:pPr>
             <a:r>
-              <a:rPr lang="de-DE" dirty="0">
+              <a:rPr lang="de-DE" sz="1600" dirty="0">
                 <a:solidFill>
-                  <a:schemeClr val="bg1"/>
+                  <a:srgbClr val="FF0000"/>
                 </a:solidFill>
               </a:rPr>
               <a:t>„</a:t>
             </a:r>
             <a:r>
-              <a:rPr lang="de-DE" dirty="0" err="1">
+              <a:rPr lang="de-DE" sz="1600" dirty="0" err="1">
                 <a:solidFill>
-                  <a:schemeClr val="bg1"/>
+                  <a:srgbClr val="FF0000"/>
                 </a:solidFill>
               </a:rPr>
               <a:t>oled</a:t>
             </a:r>
             <a:r>
-              <a:rPr lang="de-DE" dirty="0">
+              <a:rPr lang="de-DE" sz="1600" dirty="0">
                 <a:solidFill>
-                  <a:schemeClr val="bg1"/>
+                  <a:srgbClr val="FF0000"/>
                 </a:solidFill>
               </a:rPr>
-              <a:t>“ </a:t>
+              <a:t>“</a:t>
             </a:r>
+          </a:p>
+          <a:p>
+            <a:pPr>
+              <a:buClr>
+                <a:schemeClr val="bg1"/>
+              </a:buClr>
+            </a:pPr>
             <a:r>
-              <a:rPr lang="de-DE" dirty="0">
+              <a:rPr lang="de-DE" sz="1600" dirty="0">
                 <a:solidFill>
                   <a:schemeClr val="bg1"/>
                 </a:solidFill>
                 <a:sym typeface="Wingdings" panose="05000000000000000000" pitchFamily="2" charset="2"/>
               </a:rPr>
-              <a:t> Initialisierung aller Funktionen für das OLED</a:t>
+              <a:t>	 Initialisierung aller Funktionen für das OLED</a:t>
             </a:r>
           </a:p>
           <a:p>
@@ -56226,40 +57817,47 @@
               <a:buChar char="•"/>
             </a:pPr>
             <a:r>
-              <a:rPr lang="de-DE" dirty="0">
+              <a:rPr lang="de-DE" sz="1600" dirty="0">
                 <a:solidFill>
-                  <a:schemeClr val="bg1"/>
+                  <a:srgbClr val="FF0000"/>
                 </a:solidFill>
               </a:rPr>
               <a:t>„</a:t>
             </a:r>
             <a:r>
-              <a:rPr lang="de-DE" dirty="0" err="1">
+              <a:rPr lang="de-DE" sz="1600" dirty="0" err="1">
                 <a:solidFill>
-                  <a:schemeClr val="bg1"/>
+                  <a:srgbClr val="FF0000"/>
                 </a:solidFill>
               </a:rPr>
               <a:t>timer</a:t>
             </a:r>
             <a:r>
-              <a:rPr lang="de-DE" dirty="0">
+              <a:rPr lang="de-DE" sz="1600" dirty="0">
                 <a:solidFill>
-                  <a:schemeClr val="bg1"/>
+                  <a:srgbClr val="FF0000"/>
                 </a:solidFill>
               </a:rPr>
-              <a:t>“ </a:t>
+              <a:t>“</a:t>
             </a:r>
+          </a:p>
+          <a:p>
+            <a:pPr lvl="1">
+              <a:buClr>
+                <a:schemeClr val="bg1"/>
+              </a:buClr>
+            </a:pPr>
             <a:r>
-              <a:rPr lang="de-DE" dirty="0">
+              <a:rPr lang="de-DE" sz="1600" dirty="0">
                 <a:solidFill>
                   <a:schemeClr val="bg1"/>
                 </a:solidFill>
                 <a:sym typeface="Wingdings" panose="05000000000000000000" pitchFamily="2" charset="2"/>
               </a:rPr>
-              <a:t> Initialisierung aller Funktionen für die </a:t>
+              <a:t>	 Initialisierung aller Funktionen für die </a:t>
             </a:r>
             <a:r>
-              <a:rPr lang="de-DE" dirty="0" err="1">
+              <a:rPr lang="de-DE" sz="1600" dirty="0" err="1">
                 <a:solidFill>
                   <a:schemeClr val="bg1"/>
                 </a:solidFill>
@@ -56268,7 +57866,7 @@
               <a:t>Timer</a:t>
             </a:r>
             <a:r>
-              <a:rPr lang="de-DE" dirty="0">
+              <a:rPr lang="de-DE" sz="1600" dirty="0">
                 <a:solidFill>
                   <a:schemeClr val="bg1"/>
                 </a:solidFill>
@@ -56277,7 +57875,7 @@
               <a:t> (Start-</a:t>
             </a:r>
             <a:r>
-              <a:rPr lang="de-DE" dirty="0" err="1">
+              <a:rPr lang="de-DE" sz="1600" dirty="0" err="1">
                 <a:solidFill>
                   <a:schemeClr val="bg1"/>
                 </a:solidFill>
@@ -56286,7 +57884,7 @@
               <a:t>Timer</a:t>
             </a:r>
             <a:r>
-              <a:rPr lang="de-DE" dirty="0">
+              <a:rPr lang="de-DE" sz="1600" dirty="0">
                 <a:solidFill>
                   <a:schemeClr val="bg1"/>
                 </a:solidFill>
@@ -56304,37 +57902,44 @@
               <a:buChar char="•"/>
             </a:pPr>
             <a:r>
-              <a:rPr lang="de-DE" dirty="0">
+              <a:rPr lang="de-DE" sz="1600" dirty="0">
                 <a:solidFill>
-                  <a:schemeClr val="bg1"/>
+                  <a:srgbClr val="FF0000"/>
                 </a:solidFill>
               </a:rPr>
               <a:t>„</a:t>
             </a:r>
             <a:r>
-              <a:rPr lang="de-DE" dirty="0" err="1">
+              <a:rPr lang="de-DE" sz="1600" dirty="0" err="1">
                 <a:solidFill>
-                  <a:schemeClr val="bg1"/>
+                  <a:srgbClr val="FF0000"/>
                 </a:solidFill>
               </a:rPr>
               <a:t>uart</a:t>
             </a:r>
             <a:r>
-              <a:rPr lang="de-DE" dirty="0">
+              <a:rPr lang="de-DE" sz="1600" dirty="0">
                 <a:solidFill>
-                  <a:schemeClr val="bg1"/>
+                  <a:srgbClr val="FF0000"/>
                 </a:solidFill>
               </a:rPr>
-              <a:t>“ </a:t>
+              <a:t>“</a:t>
             </a:r>
+          </a:p>
+          <a:p>
+            <a:pPr>
+              <a:buClr>
+                <a:schemeClr val="bg1"/>
+              </a:buClr>
+            </a:pPr>
             <a:r>
-              <a:rPr lang="de-DE" dirty="0">
+              <a:rPr lang="de-DE" sz="1600" dirty="0">
                 <a:solidFill>
                   <a:schemeClr val="bg1"/>
                 </a:solidFill>
                 <a:sym typeface="Wingdings" panose="05000000000000000000" pitchFamily="2" charset="2"/>
               </a:rPr>
-              <a:t> Initialisierung aller Funktionen für die Eingabe (UART)</a:t>
+              <a:t>	 Initialisierung aller Funktionen für die Eingabe (UART)</a:t>
             </a:r>
           </a:p>
           <a:p>
@@ -56346,39 +57951,46 @@
               <a:buChar char="•"/>
             </a:pPr>
             <a:r>
-              <a:rPr lang="de-DE" dirty="0">
+              <a:rPr lang="de-DE" sz="1600" dirty="0">
                 <a:solidFill>
-                  <a:schemeClr val="bg1"/>
+                  <a:srgbClr val="FF0000"/>
                 </a:solidFill>
               </a:rPr>
               <a:t>„</a:t>
             </a:r>
             <a:r>
-              <a:rPr lang="de-DE" dirty="0" err="1">
+              <a:rPr lang="de-DE" sz="1600" dirty="0" err="1">
                 <a:solidFill>
-                  <a:schemeClr val="bg1"/>
+                  <a:srgbClr val="FF0000"/>
                 </a:solidFill>
               </a:rPr>
               <a:t>main</a:t>
             </a:r>
             <a:r>
-              <a:rPr lang="de-DE" dirty="0">
+              <a:rPr lang="de-DE" sz="1600" dirty="0">
                 <a:solidFill>
-                  <a:schemeClr val="bg1"/>
+                  <a:srgbClr val="FF0000"/>
                 </a:solidFill>
               </a:rPr>
-              <a:t>“ </a:t>
+              <a:t>“</a:t>
             </a:r>
+          </a:p>
+          <a:p>
+            <a:pPr lvl="2">
+              <a:buClr>
+                <a:schemeClr val="bg1"/>
+              </a:buClr>
+            </a:pPr>
             <a:r>
-              <a:rPr lang="de-DE" dirty="0">
+              <a:rPr lang="de-DE" sz="1600" dirty="0">
                 <a:solidFill>
                   <a:schemeClr val="bg1"/>
                 </a:solidFill>
                 <a:sym typeface="Wingdings" panose="05000000000000000000" pitchFamily="2" charset="2"/>
               </a:rPr>
-              <a:t> Steht selbstständig</a:t>
+              <a:t>	 Steht selbstständig</a:t>
             </a:r>
-            <a:endParaRPr lang="de-DE" dirty="0">
+            <a:endParaRPr lang="de-DE" sz="1600" dirty="0">
               <a:solidFill>
                 <a:schemeClr val="bg1"/>
               </a:solidFill>
@@ -56392,7 +58004,7 @@
               <a:buFont typeface="Arial" panose="020B0604020202020204" pitchFamily="34" charset="0"/>
               <a:buChar char="•"/>
             </a:pPr>
-            <a:endParaRPr lang="de-DE" dirty="0">
+            <a:endParaRPr lang="de-DE" sz="1600" dirty="0">
               <a:solidFill>
                 <a:schemeClr val="bg1"/>
               </a:solidFill>
@@ -56451,7 +58063,7 @@
         <p:spPr>
           <a:xfrm>
             <a:off x="1690050" y="438850"/>
-            <a:ext cx="5763900" cy="1181100"/>
+            <a:ext cx="5763900" cy="551750"/>
           </a:xfrm>
           <a:prstGeom prst="rect">
             <a:avLst/>
@@ -56526,42 +58138,224 @@
           </a:p>
         </p:txBody>
       </p:sp>
+      <p:sp>
+        <p:nvSpPr>
+          <p:cNvPr id="6" name="Textplatzhalter 5">
+            <a:extLst>
+              <a:ext uri="{FF2B5EF4-FFF2-40B4-BE49-F238E27FC236}">
+                <a16:creationId xmlns:a16="http://schemas.microsoft.com/office/drawing/2014/main" id="{87C8BC77-C2E5-C20E-1605-44D38ABA425A}"/>
+              </a:ext>
+            </a:extLst>
+          </p:cNvPr>
+          <p:cNvSpPr>
+            <a:spLocks noGrp="1"/>
+          </p:cNvSpPr>
+          <p:nvPr>
+            <p:ph type="body" idx="1"/>
+          </p:nvPr>
+        </p:nvSpPr>
+        <p:spPr/>
+        <p:txBody>
+          <a:bodyPr/>
+          <a:lstStyle/>
+          <a:p>
+            <a:endParaRPr lang="de-DE"/>
+          </a:p>
+        </p:txBody>
+      </p:sp>
       <p:pic>
         <p:nvPicPr>
-          <p:cNvPr id="2" name="Inhaltsplatzhalter 8">
+          <p:cNvPr id="8" name="Grafik 7">
             <a:extLst>
               <a:ext uri="{FF2B5EF4-FFF2-40B4-BE49-F238E27FC236}">
-                <a16:creationId xmlns:a16="http://schemas.microsoft.com/office/drawing/2014/main" id="{7CE45E21-8C00-DCDC-2A00-74B71BC5B0DE}"/>
+                <a16:creationId xmlns:a16="http://schemas.microsoft.com/office/drawing/2014/main" id="{4FBD6FA7-F5EA-4A5E-93C5-A3AA902322E9}"/>
               </a:ext>
             </a:extLst>
           </p:cNvPr>
           <p:cNvPicPr>
-            <a:picLocks noGrp="1" noChangeAspect="1"/>
+            <a:picLocks noChangeAspect="1"/>
           </p:cNvPicPr>
-          <p:nvPr>
-            <p:ph idx="1"/>
-          </p:nvPr>
+          <p:nvPr/>
         </p:nvPicPr>
         <p:blipFill rotWithShape="1">
           <a:blip r:embed="rId3"/>
-          <a:srcRect l="3007" t="7589" r="23347" b="10145"/>
+          <a:srcRect l="2812" t="9008" r="21875" b="8720"/>
           <a:stretch/>
         </p:blipFill>
         <p:spPr>
           <a:xfrm>
-            <a:off x="1101253" y="1377030"/>
-            <a:ext cx="6941493" cy="3697890"/>
+            <a:off x="-9220201" y="1304924"/>
+            <a:ext cx="9144001" cy="3604483"/>
           </a:xfrm>
-          <a:ln>
-            <a:noFill/>
-          </a:ln>
+          <a:prstGeom prst="rect">
+            <a:avLst/>
+          </a:prstGeom>
         </p:spPr>
       </p:pic>
+      <p:sp>
+        <p:nvSpPr>
+          <p:cNvPr id="4" name="Pfeil: nach rechts 3">
+            <a:extLst>
+              <a:ext uri="{FF2B5EF4-FFF2-40B4-BE49-F238E27FC236}">
+                <a16:creationId xmlns:a16="http://schemas.microsoft.com/office/drawing/2014/main" id="{F4EF30B5-D84A-5CA5-45ED-A8C4A0E025C4}"/>
+              </a:ext>
+            </a:extLst>
+          </p:cNvPr>
+          <p:cNvSpPr/>
+          <p:nvPr/>
+        </p:nvSpPr>
+        <p:spPr>
+          <a:xfrm flipH="1">
+            <a:off x="9191625" y="3821440"/>
+            <a:ext cx="3580599" cy="807720"/>
+          </a:xfrm>
+          <a:prstGeom prst="rightArrow">
+            <a:avLst/>
+          </a:prstGeom>
+        </p:spPr>
+        <p:style>
+          <a:lnRef idx="2">
+            <a:schemeClr val="accent1">
+              <a:shade val="50000"/>
+            </a:schemeClr>
+          </a:lnRef>
+          <a:fillRef idx="1">
+            <a:schemeClr val="accent1"/>
+          </a:fillRef>
+          <a:effectRef idx="0">
+            <a:schemeClr val="accent1"/>
+          </a:effectRef>
+          <a:fontRef idx="minor">
+            <a:schemeClr val="lt1"/>
+          </a:fontRef>
+        </p:style>
+        <p:txBody>
+          <a:bodyPr rtlCol="0" anchor="ctr"/>
+          <a:lstStyle/>
+          <a:p>
+            <a:pPr algn="ctr"/>
+            <a:r>
+              <a:rPr lang="de-DE" dirty="0" err="1">
+                <a:solidFill>
+                  <a:schemeClr val="tx1"/>
+                </a:solidFill>
+              </a:rPr>
+              <a:t>Inizalisierung</a:t>
+            </a:r>
+            <a:r>
+              <a:rPr lang="de-DE" dirty="0">
+                <a:solidFill>
+                  <a:schemeClr val="tx1"/>
+                </a:solidFill>
+              </a:rPr>
+              <a:t> der Ampelschaltung</a:t>
+            </a:r>
+          </a:p>
+        </p:txBody>
+      </p:sp>
     </p:spTree>
   </p:cSld>
   <p:clrMapOvr>
     <a:masterClrMapping/>
   </p:clrMapOvr>
+  <p:timing>
+    <p:tnLst>
+      <p:par>
+        <p:cTn id="1" dur="indefinite" restart="never" nodeType="tmRoot">
+          <p:childTnLst>
+            <p:seq concurrent="1" nextAc="seek">
+              <p:cTn id="2" dur="indefinite" nodeType="mainSeq">
+                <p:childTnLst>
+                  <p:par>
+                    <p:cTn id="3" fill="hold">
+                      <p:stCondLst>
+                        <p:cond delay="indefinite"/>
+                        <p:cond evt="onBegin" delay="0">
+                          <p:tn val="2"/>
+                        </p:cond>
+                      </p:stCondLst>
+                      <p:childTnLst>
+                        <p:par>
+                          <p:cTn id="4" fill="hold">
+                            <p:stCondLst>
+                              <p:cond delay="0"/>
+                            </p:stCondLst>
+                            <p:childTnLst>
+                              <p:par>
+                                <p:cTn id="5" presetID="63" presetClass="path" presetSubtype="0" accel="50000" decel="50000" fill="hold" nodeType="withEffect">
+                                  <p:stCondLst>
+                                    <p:cond delay="0"/>
+                                  </p:stCondLst>
+                                  <p:childTnLst>
+                                    <p:animMotion origin="layout" path="M 3.33333E-6 -2.34568E-6 L 1.00833 0.0034 " pathEditMode="relative" rAng="0" ptsTypes="AA">
+                                      <p:cBhvr>
+                                        <p:cTn id="6" dur="2000" fill="hold"/>
+                                        <p:tgtEl>
+                                          <p:spTgt spid="8"/>
+                                        </p:tgtEl>
+                                        <p:attrNameLst>
+                                          <p:attrName>ppt_x</p:attrName>
+                                          <p:attrName>ppt_y</p:attrName>
+                                        </p:attrNameLst>
+                                      </p:cBhvr>
+                                      <p:rCtr x="50417" y="154"/>
+                                    </p:animMotion>
+                                  </p:childTnLst>
+                                </p:cTn>
+                              </p:par>
+                              <p:par>
+                                <p:cTn id="7" presetID="35" presetClass="path" presetSubtype="0" accel="50000" decel="50000" fill="hold" grpId="0" nodeType="withEffect">
+                                  <p:stCondLst>
+                                    <p:cond delay="0"/>
+                                  </p:stCondLst>
+                                  <p:childTnLst>
+                                    <p:animMotion origin="layout" path="M 1.94444E-6 3.7037E-6 L -0.63038 -0.00278 " pathEditMode="relative" rAng="0" ptsTypes="AA">
+                                      <p:cBhvr>
+                                        <p:cTn id="8" dur="2000" fill="hold"/>
+                                        <p:tgtEl>
+                                          <p:spTgt spid="4"/>
+                                        </p:tgtEl>
+                                        <p:attrNameLst>
+                                          <p:attrName>ppt_x</p:attrName>
+                                          <p:attrName>ppt_y</p:attrName>
+                                        </p:attrNameLst>
+                                      </p:cBhvr>
+                                      <p:rCtr x="-31528" y="-154"/>
+                                    </p:animMotion>
+                                  </p:childTnLst>
+                                </p:cTn>
+                              </p:par>
+                            </p:childTnLst>
+                          </p:cTn>
+                        </p:par>
+                      </p:childTnLst>
+                    </p:cTn>
+                  </p:par>
+                </p:childTnLst>
+              </p:cTn>
+              <p:prevCondLst>
+                <p:cond evt="onPrev" delay="0">
+                  <p:tgtEl>
+                    <p:sldTgt/>
+                  </p:tgtEl>
+                </p:cond>
+              </p:prevCondLst>
+              <p:nextCondLst>
+                <p:cond evt="onNext" delay="0">
+                  <p:tgtEl>
+                    <p:sldTgt/>
+                  </p:tgtEl>
+                </p:cond>
+              </p:nextCondLst>
+            </p:seq>
+          </p:childTnLst>
+        </p:cTn>
+      </p:par>
+    </p:tnLst>
+    <p:bldLst>
+      <p:bldP spid="4" grpId="0" animBg="1"/>
+    </p:bldLst>
+  </p:timing>
 </p:sld>
 </file>
 
@@ -56595,7 +58389,7 @@
         <p:spPr>
           <a:xfrm>
             <a:off x="1690050" y="438850"/>
-            <a:ext cx="5763900" cy="1181100"/>
+            <a:ext cx="5763900" cy="485075"/>
           </a:xfrm>
           <a:prstGeom prst="rect">
             <a:avLst/>
@@ -56716,7 +58510,7 @@
         </p:blipFill>
         <p:spPr>
           <a:xfrm>
-            <a:off x="161140" y="810235"/>
+            <a:off x="9508340" y="810235"/>
             <a:ext cx="1896430" cy="1303796"/>
           </a:xfrm>
           <a:prstGeom prst="rect">
@@ -56742,8 +58536,8 @@
         </p:nvSpPr>
         <p:spPr>
           <a:xfrm flipH="1">
-            <a:off x="2272903" y="1229722"/>
-            <a:ext cx="2526150" cy="522877"/>
+            <a:off x="11620101" y="1229722"/>
+            <a:ext cx="3022998" cy="624478"/>
           </a:xfrm>
           <a:prstGeom prst="rightArrow">
             <a:avLst/>
@@ -56802,7 +58596,7 @@
         </p:blipFill>
         <p:spPr>
           <a:xfrm>
-            <a:off x="164175" y="2114031"/>
+            <a:off x="9511375" y="2114031"/>
             <a:ext cx="7212572" cy="2219234"/>
           </a:xfrm>
           <a:prstGeom prst="rect">
@@ -56824,7 +58618,89 @@
         </p:nvSpPr>
         <p:spPr>
           <a:xfrm flipH="1">
-            <a:off x="5581530" y="3767182"/>
+            <a:off x="14928730" y="3767182"/>
+            <a:ext cx="2526150" cy="522877"/>
+          </a:xfrm>
+          <a:prstGeom prst="rightArrow">
+            <a:avLst/>
+          </a:prstGeom>
+        </p:spPr>
+        <p:style>
+          <a:lnRef idx="2">
+            <a:schemeClr val="accent1">
+              <a:shade val="50000"/>
+            </a:schemeClr>
+          </a:lnRef>
+          <a:fillRef idx="1">
+            <a:schemeClr val="accent1"/>
+          </a:fillRef>
+          <a:effectRef idx="0">
+            <a:schemeClr val="accent1"/>
+          </a:effectRef>
+          <a:fontRef idx="minor">
+            <a:schemeClr val="lt1"/>
+          </a:fontRef>
+        </p:style>
+        <p:txBody>
+          <a:bodyPr rtlCol="0" anchor="ctr"/>
+          <a:lstStyle/>
+          <a:p>
+            <a:pPr algn="ctr"/>
+            <a:r>
+              <a:rPr lang="de-DE" dirty="0">
+                <a:solidFill>
+                  <a:schemeClr val="tx1"/>
+                </a:solidFill>
+              </a:rPr>
+              <a:t>Grundlegende Variablen</a:t>
+            </a:r>
+          </a:p>
+        </p:txBody>
+      </p:sp>
+      <p:pic>
+        <p:nvPicPr>
+          <p:cNvPr id="2" name="Inhaltsplatzhalter 12">
+            <a:extLst>
+              <a:ext uri="{FF2B5EF4-FFF2-40B4-BE49-F238E27FC236}">
+                <a16:creationId xmlns:a16="http://schemas.microsoft.com/office/drawing/2014/main" id="{ACFF7D51-10CA-209C-B3E9-4203D04245EE}"/>
+              </a:ext>
+            </a:extLst>
+          </p:cNvPr>
+          <p:cNvPicPr>
+            <a:picLocks noChangeAspect="1"/>
+          </p:cNvPicPr>
+          <p:nvPr/>
+        </p:nvPicPr>
+        <p:blipFill rotWithShape="1">
+          <a:blip r:embed="rId4"/>
+          <a:srcRect l="4717" t="15514" r="6134" b="13856"/>
+          <a:stretch/>
+        </p:blipFill>
+        <p:spPr>
+          <a:xfrm>
+            <a:off x="9508340" y="2104385"/>
+            <a:ext cx="7212572" cy="2219234"/>
+          </a:xfrm>
+          <a:prstGeom prst="rect">
+            <a:avLst/>
+          </a:prstGeom>
+        </p:spPr>
+      </p:pic>
+      <p:sp>
+        <p:nvSpPr>
+          <p:cNvPr id="3" name="Pfeil: nach rechts 2">
+            <a:extLst>
+              <a:ext uri="{FF2B5EF4-FFF2-40B4-BE49-F238E27FC236}">
+                <a16:creationId xmlns:a16="http://schemas.microsoft.com/office/drawing/2014/main" id="{95336377-B166-E408-80B2-5CF48730D30A}"/>
+              </a:ext>
+            </a:extLst>
+          </p:cNvPr>
+          <p:cNvSpPr/>
+          <p:nvPr/>
+        </p:nvSpPr>
+        <p:spPr>
+          <a:xfrm flipH="1">
+            <a:off x="14925695" y="3757536"/>
             <a:ext cx="2526150" cy="522877"/>
           </a:xfrm>
           <a:prstGeom prst="rightArrow">
@@ -56873,6 +58749,158 @@
   <p:clrMapOvr>
     <a:masterClrMapping/>
   </p:clrMapOvr>
+  <p:timing>
+    <p:tnLst>
+      <p:par>
+        <p:cTn id="1" dur="indefinite" restart="never" nodeType="tmRoot">
+          <p:childTnLst>
+            <p:seq concurrent="1" nextAc="seek">
+              <p:cTn id="2" dur="indefinite" nodeType="mainSeq">
+                <p:childTnLst>
+                  <p:par>
+                    <p:cTn id="3" fill="hold">
+                      <p:stCondLst>
+                        <p:cond delay="indefinite"/>
+                        <p:cond evt="onBegin" delay="0">
+                          <p:tn val="2"/>
+                        </p:cond>
+                      </p:stCondLst>
+                      <p:childTnLst>
+                        <p:par>
+                          <p:cTn id="4" fill="hold">
+                            <p:stCondLst>
+                              <p:cond delay="0"/>
+                            </p:stCondLst>
+                            <p:childTnLst>
+                              <p:par>
+                                <p:cTn id="5" presetID="35" presetClass="path" presetSubtype="0" accel="50000" decel="50000" fill="hold" nodeType="withEffect">
+                                  <p:stCondLst>
+                                    <p:cond delay="0"/>
+                                  </p:stCondLst>
+                                  <p:childTnLst>
+                                    <p:animMotion origin="layout" path="M 3.61111E-6 7.40741E-7 L -1.01997 -0.01759 " pathEditMode="relative" rAng="0" ptsTypes="AA">
+                                      <p:cBhvr>
+                                        <p:cTn id="6" dur="2000" fill="hold"/>
+                                        <p:tgtEl>
+                                          <p:spTgt spid="5"/>
+                                        </p:tgtEl>
+                                        <p:attrNameLst>
+                                          <p:attrName>ppt_x</p:attrName>
+                                          <p:attrName>ppt_y</p:attrName>
+                                        </p:attrNameLst>
+                                      </p:cBhvr>
+                                      <p:rCtr x="-51007" y="-895"/>
+                                    </p:animMotion>
+                                  </p:childTnLst>
+                                </p:cTn>
+                              </p:par>
+                              <p:par>
+                                <p:cTn id="7" presetID="35" presetClass="path" presetSubtype="0" accel="50000" decel="50000" fill="hold" grpId="0" nodeType="withEffect">
+                                  <p:stCondLst>
+                                    <p:cond delay="0"/>
+                                  </p:stCondLst>
+                                  <p:childTnLst>
+                                    <p:animMotion origin="layout" path="M -1.11111E-6 -1.35802E-6 L -1.04774 -0.01327 " pathEditMode="relative" rAng="0" ptsTypes="AA">
+                                      <p:cBhvr>
+                                        <p:cTn id="8" dur="2000" fill="hold"/>
+                                        <p:tgtEl>
+                                          <p:spTgt spid="6"/>
+                                        </p:tgtEl>
+                                        <p:attrNameLst>
+                                          <p:attrName>ppt_x</p:attrName>
+                                          <p:attrName>ppt_y</p:attrName>
+                                        </p:attrNameLst>
+                                      </p:cBhvr>
+                                      <p:rCtr x="-52396" y="-679"/>
+                                    </p:animMotion>
+                                  </p:childTnLst>
+                                </p:cTn>
+                              </p:par>
+                            </p:childTnLst>
+                          </p:cTn>
+                        </p:par>
+                        <p:par>
+                          <p:cTn id="9" fill="hold">
+                            <p:stCondLst>
+                              <p:cond delay="2000"/>
+                            </p:stCondLst>
+                            <p:childTnLst>
+                              <p:par>
+                                <p:cTn id="10" presetID="35" presetClass="path" presetSubtype="0" accel="50000" decel="50000" fill="hold" nodeType="afterEffect">
+                                  <p:stCondLst>
+                                    <p:cond delay="0"/>
+                                  </p:stCondLst>
+                                  <p:childTnLst>
+                                    <p:animMotion origin="layout" path="M -1.38889E-6 1.11022E-16 L -0.9717 0.06019 " pathEditMode="relative" rAng="0" ptsTypes="AA">
+                                      <p:cBhvr>
+                                        <p:cTn id="11" dur="2000" fill="hold"/>
+                                        <p:tgtEl>
+                                          <p:spTgt spid="2"/>
+                                        </p:tgtEl>
+                                        <p:attrNameLst>
+                                          <p:attrName>ppt_x</p:attrName>
+                                          <p:attrName>ppt_y</p:attrName>
+                                        </p:attrNameLst>
+                                      </p:cBhvr>
+                                      <p:rCtr x="-48594" y="2994"/>
+                                    </p:animMotion>
+                                  </p:childTnLst>
+                                </p:cTn>
+                              </p:par>
+                              <p:par>
+                                <p:cTn id="12" presetID="35" presetClass="path" presetSubtype="0" accel="50000" decel="50000" fill="hold" grpId="0" nodeType="withEffect">
+                                  <p:stCondLst>
+                                    <p:cond delay="0"/>
+                                  </p:stCondLst>
+                                  <p:childTnLst>
+                                    <p:animMotion origin="layout" path="M -2.5E-6 -2.83951E-6 L -0.94253 0.05278 " pathEditMode="relative" rAng="0" ptsTypes="AA">
+                                      <p:cBhvr>
+                                        <p:cTn id="13" dur="2000" fill="hold"/>
+                                        <p:tgtEl>
+                                          <p:spTgt spid="3"/>
+                                        </p:tgtEl>
+                                        <p:attrNameLst>
+                                          <p:attrName>ppt_x</p:attrName>
+                                          <p:attrName>ppt_y</p:attrName>
+                                        </p:attrNameLst>
+                                      </p:cBhvr>
+                                      <p:rCtr x="-47135" y="2623"/>
+                                    </p:animMotion>
+                                  </p:childTnLst>
+                                </p:cTn>
+                              </p:par>
+                            </p:childTnLst>
+                          </p:cTn>
+                        </p:par>
+                      </p:childTnLst>
+                    </p:cTn>
+                  </p:par>
+                </p:childTnLst>
+              </p:cTn>
+              <p:prevCondLst>
+                <p:cond evt="onPrev" delay="0">
+                  <p:tgtEl>
+                    <p:sldTgt/>
+                  </p:tgtEl>
+                </p:cond>
+              </p:prevCondLst>
+              <p:nextCondLst>
+                <p:cond evt="onNext" delay="0">
+                  <p:tgtEl>
+                    <p:sldTgt/>
+                  </p:tgtEl>
+                </p:cond>
+              </p:nextCondLst>
+            </p:seq>
+          </p:childTnLst>
+        </p:cTn>
+      </p:par>
+    </p:tnLst>
+    <p:bldLst>
+      <p:bldP spid="6" grpId="0" animBg="1"/>
+      <p:bldP spid="3" grpId="0" animBg="1"/>
+    </p:bldLst>
+  </p:timing>
 </p:sld>
 </file>
 
